--- a/PPTs/Fundamental Concpets of OOP.pptx
+++ b/PPTs/Fundamental Concpets of OOP.pptx
@@ -5,7 +5,7 @@
     <p:sldMasterId id="2147483660" r:id="rId1"/>
   </p:sldMasterIdLst>
   <p:notesMasterIdLst>
-    <p:notesMasterId r:id="rId29"/>
+    <p:notesMasterId r:id="rId30"/>
   </p:notesMasterIdLst>
   <p:sldIdLst>
     <p:sldId id="256" r:id="rId2"/>
@@ -16,25 +16,26 @@
     <p:sldId id="263" r:id="rId7"/>
     <p:sldId id="261" r:id="rId8"/>
     <p:sldId id="262" r:id="rId9"/>
-    <p:sldId id="265" r:id="rId10"/>
-    <p:sldId id="264" r:id="rId11"/>
-    <p:sldId id="266" r:id="rId12"/>
-    <p:sldId id="267" r:id="rId13"/>
-    <p:sldId id="269" r:id="rId14"/>
-    <p:sldId id="270" r:id="rId15"/>
-    <p:sldId id="271" r:id="rId16"/>
-    <p:sldId id="272" r:id="rId17"/>
-    <p:sldId id="268" r:id="rId18"/>
-    <p:sldId id="273" r:id="rId19"/>
-    <p:sldId id="274" r:id="rId20"/>
-    <p:sldId id="275" r:id="rId21"/>
-    <p:sldId id="276" r:id="rId22"/>
-    <p:sldId id="277" r:id="rId23"/>
-    <p:sldId id="278" r:id="rId24"/>
-    <p:sldId id="279" r:id="rId25"/>
-    <p:sldId id="280" r:id="rId26"/>
-    <p:sldId id="281" r:id="rId27"/>
-    <p:sldId id="283" r:id="rId28"/>
+    <p:sldId id="284" r:id="rId10"/>
+    <p:sldId id="265" r:id="rId11"/>
+    <p:sldId id="264" r:id="rId12"/>
+    <p:sldId id="266" r:id="rId13"/>
+    <p:sldId id="267" r:id="rId14"/>
+    <p:sldId id="269" r:id="rId15"/>
+    <p:sldId id="270" r:id="rId16"/>
+    <p:sldId id="271" r:id="rId17"/>
+    <p:sldId id="272" r:id="rId18"/>
+    <p:sldId id="268" r:id="rId19"/>
+    <p:sldId id="273" r:id="rId20"/>
+    <p:sldId id="274" r:id="rId21"/>
+    <p:sldId id="275" r:id="rId22"/>
+    <p:sldId id="276" r:id="rId23"/>
+    <p:sldId id="277" r:id="rId24"/>
+    <p:sldId id="278" r:id="rId25"/>
+    <p:sldId id="279" r:id="rId26"/>
+    <p:sldId id="280" r:id="rId27"/>
+    <p:sldId id="281" r:id="rId28"/>
+    <p:sldId id="283" r:id="rId29"/>
   </p:sldIdLst>
   <p:sldSz cx="12192000" cy="6858000"/>
   <p:notesSz cx="6858000" cy="9144000"/>
@@ -223,7 +224,7 @@
           <a:p>
             <a:fld id="{1DF99A51-C300-C44B-BB93-496A2A9090A1}" type="datetimeFigureOut">
               <a:rPr lang="en-US" smtClean="0"/>
-              <a:t>10/27/2019</a:t>
+              <a:t>9/26/2024</a:t>
             </a:fld>
             <a:endParaRPr lang="en-US"/>
           </a:p>
@@ -574,6 +575,118 @@
 </p:notes>
 </file>
 
+<file path=ppt/notesSlides/notesSlide10.xml><?xml version="1.0" encoding="utf-8"?>
+<p:notes xmlns:a="http://schemas.openxmlformats.org/drawingml/2006/main" xmlns:r="http://schemas.openxmlformats.org/officeDocument/2006/relationships" xmlns:p="http://schemas.openxmlformats.org/presentationml/2006/main">
+  <p:cSld>
+    <p:spTree>
+      <p:nvGrpSpPr>
+        <p:cNvPr id="1" name=""/>
+        <p:cNvGrpSpPr/>
+        <p:nvPr/>
+      </p:nvGrpSpPr>
+      <p:grpSpPr>
+        <a:xfrm>
+          <a:off x="0" y="0"/>
+          <a:ext cx="0" cy="0"/>
+          <a:chOff x="0" y="0"/>
+          <a:chExt cx="0" cy="0"/>
+        </a:xfrm>
+      </p:grpSpPr>
+      <p:sp>
+        <p:nvSpPr>
+          <p:cNvPr id="2" name="Slide Image Placeholder 1"/>
+          <p:cNvSpPr>
+            <a:spLocks noGrp="1" noRot="1" noChangeAspect="1"/>
+          </p:cNvSpPr>
+          <p:nvPr>
+            <p:ph type="sldImg"/>
+          </p:nvPr>
+        </p:nvSpPr>
+        <p:spPr/>
+      </p:sp>
+      <p:sp>
+        <p:nvSpPr>
+          <p:cNvPr id="3" name="Notes Placeholder 2"/>
+          <p:cNvSpPr>
+            <a:spLocks noGrp="1"/>
+          </p:cNvSpPr>
+          <p:nvPr>
+            <p:ph type="body" idx="1"/>
+          </p:nvPr>
+        </p:nvSpPr>
+        <p:spPr/>
+        <p:txBody>
+          <a:bodyPr/>
+          <a:lstStyle/>
+          <a:p>
+            <a:pPr marL="0" marR="0" lvl="0" indent="0" algn="l" defTabSz="914400" rtl="0" eaLnBrk="1" fontAlgn="auto" latinLnBrk="0" hangingPunct="1">
+              <a:lnSpc>
+                <a:spcPct val="100000"/>
+              </a:lnSpc>
+              <a:spcBef>
+                <a:spcPts val="0"/>
+              </a:spcBef>
+              <a:spcAft>
+                <a:spcPts val="0"/>
+              </a:spcAft>
+              <a:buClrTx/>
+              <a:buSzTx/>
+              <a:buFontTx/>
+              <a:buNone/>
+              <a:tabLst/>
+              <a:defRPr/>
+            </a:pPr>
+            <a:endParaRPr lang="en-PH" sz="1200" kern="1200" dirty="0">
+              <a:solidFill>
+                <a:schemeClr val="tx1"/>
+              </a:solidFill>
+              <a:effectLst/>
+              <a:latin typeface="+mn-lt"/>
+              <a:ea typeface="+mn-ea"/>
+              <a:cs typeface="+mn-cs"/>
+            </a:endParaRPr>
+          </a:p>
+          <a:p>
+            <a:endParaRPr lang="en-US" dirty="0"/>
+          </a:p>
+        </p:txBody>
+      </p:sp>
+      <p:sp>
+        <p:nvSpPr>
+          <p:cNvPr id="4" name="Slide Number Placeholder 3"/>
+          <p:cNvSpPr>
+            <a:spLocks noGrp="1"/>
+          </p:cNvSpPr>
+          <p:nvPr>
+            <p:ph type="sldNum" sz="quarter" idx="5"/>
+          </p:nvPr>
+        </p:nvSpPr>
+        <p:spPr/>
+        <p:txBody>
+          <a:bodyPr/>
+          <a:lstStyle/>
+          <a:p>
+            <a:fld id="{23C1D02B-49A3-BF44-B676-E268AD5AA890}" type="slidenum">
+              <a:rPr lang="en-US" smtClean="0"/>
+              <a:t>20</a:t>
+            </a:fld>
+            <a:endParaRPr lang="en-US"/>
+          </a:p>
+        </p:txBody>
+      </p:sp>
+    </p:spTree>
+    <p:extLst>
+      <p:ext uri="{BB962C8B-B14F-4D97-AF65-F5344CB8AC3E}">
+        <p14:creationId xmlns:p14="http://schemas.microsoft.com/office/powerpoint/2010/main" val="3687785633"/>
+      </p:ext>
+    </p:extLst>
+  </p:cSld>
+  <p:clrMapOvr>
+    <a:masterClrMapping/>
+  </p:clrMapOvr>
+</p:notes>
+</file>
+
 <file path=ppt/notesSlides/notesSlide2.xml><?xml version="1.0" encoding="utf-8"?>
 <p:notes xmlns:a="http://schemas.openxmlformats.org/drawingml/2006/main" xmlns:r="http://schemas.openxmlformats.org/officeDocument/2006/relationships" xmlns:p="http://schemas.openxmlformats.org/presentationml/2006/main">
   <p:cSld>
@@ -759,6 +872,18 @@
               <a:tabLst/>
               <a:defRPr/>
             </a:pPr>
+            <a:r>
+              <a:rPr lang="en-US" sz="1200" kern="1200" dirty="0">
+                <a:solidFill>
+                  <a:schemeClr val="tx1"/>
+                </a:solidFill>
+                <a:effectLst/>
+                <a:latin typeface="+mn-lt"/>
+                <a:ea typeface="+mn-ea"/>
+                <a:cs typeface="+mn-cs"/>
+              </a:rPr>
+              <a:t>This means that a method that describes the behavior of a certain class should belong to that class.</a:t>
+            </a:r>
             <a:endParaRPr lang="en-PH" sz="1200" kern="1200" dirty="0">
               <a:solidFill>
                 <a:schemeClr val="tx1"/>
@@ -791,7 +916,7 @@
           <a:p>
             <a:fld id="{23C1D02B-49A3-BF44-B676-E268AD5AA890}" type="slidenum">
               <a:rPr lang="en-US" smtClean="0"/>
-              <a:t>10</a:t>
+              <a:t>9</a:t>
             </a:fld>
             <a:endParaRPr lang="en-US"/>
           </a:p>
@@ -800,7 +925,7 @@
     </p:spTree>
     <p:extLst>
       <p:ext uri="{BB962C8B-B14F-4D97-AF65-F5344CB8AC3E}">
-        <p14:creationId xmlns:p14="http://schemas.microsoft.com/office/powerpoint/2010/main" val="3803003300"/>
+        <p14:creationId xmlns:p14="http://schemas.microsoft.com/office/powerpoint/2010/main" val="877644693"/>
       </p:ext>
     </p:extLst>
   </p:cSld>
@@ -912,7 +1037,7 @@
     </p:spTree>
     <p:extLst>
       <p:ext uri="{BB962C8B-B14F-4D97-AF65-F5344CB8AC3E}">
-        <p14:creationId xmlns:p14="http://schemas.microsoft.com/office/powerpoint/2010/main" val="3694722527"/>
+        <p14:creationId xmlns:p14="http://schemas.microsoft.com/office/powerpoint/2010/main" val="3803003300"/>
       </p:ext>
     </p:extLst>
   </p:cSld>
@@ -1015,7 +1140,7 @@
           <a:p>
             <a:fld id="{23C1D02B-49A3-BF44-B676-E268AD5AA890}" type="slidenum">
               <a:rPr lang="en-US" smtClean="0"/>
-              <a:t>13</a:t>
+              <a:t>12</a:t>
             </a:fld>
             <a:endParaRPr lang="en-US"/>
           </a:p>
@@ -1024,7 +1149,7 @@
     </p:spTree>
     <p:extLst>
       <p:ext uri="{BB962C8B-B14F-4D97-AF65-F5344CB8AC3E}">
-        <p14:creationId xmlns:p14="http://schemas.microsoft.com/office/powerpoint/2010/main" val="76555660"/>
+        <p14:creationId xmlns:p14="http://schemas.microsoft.com/office/powerpoint/2010/main" val="3694722527"/>
       </p:ext>
     </p:extLst>
   </p:cSld>
@@ -1136,7 +1261,7 @@
     </p:spTree>
     <p:extLst>
       <p:ext uri="{BB962C8B-B14F-4D97-AF65-F5344CB8AC3E}">
-        <p14:creationId xmlns:p14="http://schemas.microsoft.com/office/powerpoint/2010/main" val="2480022830"/>
+        <p14:creationId xmlns:p14="http://schemas.microsoft.com/office/powerpoint/2010/main" val="76555660"/>
       </p:ext>
     </p:extLst>
   </p:cSld>
@@ -1248,7 +1373,7 @@
     </p:spTree>
     <p:extLst>
       <p:ext uri="{BB962C8B-B14F-4D97-AF65-F5344CB8AC3E}">
-        <p14:creationId xmlns:p14="http://schemas.microsoft.com/office/powerpoint/2010/main" val="2237239565"/>
+        <p14:creationId xmlns:p14="http://schemas.microsoft.com/office/powerpoint/2010/main" val="2480022830"/>
       </p:ext>
     </p:extLst>
   </p:cSld>
@@ -1360,7 +1485,7 @@
     </p:spTree>
     <p:extLst>
       <p:ext uri="{BB962C8B-B14F-4D97-AF65-F5344CB8AC3E}">
-        <p14:creationId xmlns:p14="http://schemas.microsoft.com/office/powerpoint/2010/main" val="1463630481"/>
+        <p14:creationId xmlns:p14="http://schemas.microsoft.com/office/powerpoint/2010/main" val="2237239565"/>
       </p:ext>
     </p:extLst>
   </p:cSld>
@@ -1463,7 +1588,7 @@
           <a:p>
             <a:fld id="{23C1D02B-49A3-BF44-B676-E268AD5AA890}" type="slidenum">
               <a:rPr lang="en-US" smtClean="0"/>
-              <a:t>19</a:t>
+              <a:t>17</a:t>
             </a:fld>
             <a:endParaRPr lang="en-US"/>
           </a:p>
@@ -1472,7 +1597,7 @@
     </p:spTree>
     <p:extLst>
       <p:ext uri="{BB962C8B-B14F-4D97-AF65-F5344CB8AC3E}">
-        <p14:creationId xmlns:p14="http://schemas.microsoft.com/office/powerpoint/2010/main" val="3687785633"/>
+        <p14:creationId xmlns:p14="http://schemas.microsoft.com/office/powerpoint/2010/main" val="1463630481"/>
       </p:ext>
     </p:extLst>
   </p:cSld>
@@ -1720,7 +1845,7 @@
           <a:p>
             <a:fld id="{67D990C7-1EC9-6340-94EA-7A01412E751D}" type="datetimeFigureOut">
               <a:rPr lang="en-US" smtClean="0"/>
-              <a:t>10/27/2019</a:t>
+              <a:t>9/26/2024</a:t>
             </a:fld>
             <a:endParaRPr lang="en-US"/>
           </a:p>
@@ -2111,7 +2236,7 @@
           <a:p>
             <a:fld id="{67D990C7-1EC9-6340-94EA-7A01412E751D}" type="datetimeFigureOut">
               <a:rPr lang="en-US" smtClean="0"/>
-              <a:t>10/27/2019</a:t>
+              <a:t>9/26/2024</a:t>
             </a:fld>
             <a:endParaRPr lang="en-US"/>
           </a:p>
@@ -2311,7 +2436,7 @@
           <a:p>
             <a:fld id="{67D990C7-1EC9-6340-94EA-7A01412E751D}" type="datetimeFigureOut">
               <a:rPr lang="en-US" smtClean="0"/>
-              <a:t>10/27/2019</a:t>
+              <a:t>9/26/2024</a:t>
             </a:fld>
             <a:endParaRPr lang="en-US"/>
           </a:p>
@@ -2521,7 +2646,7 @@
           <a:p>
             <a:fld id="{67D990C7-1EC9-6340-94EA-7A01412E751D}" type="datetimeFigureOut">
               <a:rPr lang="en-US" smtClean="0"/>
-              <a:t>10/27/2019</a:t>
+              <a:t>9/26/2024</a:t>
             </a:fld>
             <a:endParaRPr lang="en-US"/>
           </a:p>
@@ -2741,7 +2866,7 @@
           <a:p>
             <a:fld id="{67D990C7-1EC9-6340-94EA-7A01412E751D}" type="datetimeFigureOut">
               <a:rPr lang="en-US" smtClean="0"/>
-              <a:t>10/27/2019</a:t>
+              <a:t>9/26/2024</a:t>
             </a:fld>
             <a:endParaRPr lang="en-US"/>
           </a:p>
@@ -3206,7 +3331,7 @@
           <a:p>
             <a:fld id="{67D990C7-1EC9-6340-94EA-7A01412E751D}" type="datetimeFigureOut">
               <a:rPr lang="en-US" smtClean="0"/>
-              <a:t>10/27/2019</a:t>
+              <a:t>9/26/2024</a:t>
             </a:fld>
             <a:endParaRPr lang="en-US"/>
           </a:p>
@@ -3601,7 +3726,7 @@
           <a:p>
             <a:fld id="{67D990C7-1EC9-6340-94EA-7A01412E751D}" type="datetimeFigureOut">
               <a:rPr lang="en-US" smtClean="0"/>
-              <a:t>10/27/2019</a:t>
+              <a:t>9/26/2024</a:t>
             </a:fld>
             <a:endParaRPr lang="en-US"/>
           </a:p>
@@ -3937,7 +4062,7 @@
           <a:p>
             <a:fld id="{67D990C7-1EC9-6340-94EA-7A01412E751D}" type="datetimeFigureOut">
               <a:rPr lang="en-US" smtClean="0"/>
-              <a:t>10/27/2019</a:t>
+              <a:t>9/26/2024</a:t>
             </a:fld>
             <a:endParaRPr lang="en-US"/>
           </a:p>
@@ -4205,7 +4330,7 @@
           <a:p>
             <a:fld id="{67D990C7-1EC9-6340-94EA-7A01412E751D}" type="datetimeFigureOut">
               <a:rPr lang="en-US" smtClean="0"/>
-              <a:t>10/27/2019</a:t>
+              <a:t>9/26/2024</a:t>
             </a:fld>
             <a:endParaRPr lang="en-US"/>
           </a:p>
@@ -4620,7 +4745,7 @@
           <a:p>
             <a:fld id="{67D990C7-1EC9-6340-94EA-7A01412E751D}" type="datetimeFigureOut">
               <a:rPr lang="en-US" smtClean="0"/>
-              <a:t>10/27/2019</a:t>
+              <a:t>9/26/2024</a:t>
             </a:fld>
             <a:endParaRPr lang="en-US"/>
           </a:p>
@@ -4762,7 +4887,7 @@
           <a:p>
             <a:fld id="{67D990C7-1EC9-6340-94EA-7A01412E751D}" type="datetimeFigureOut">
               <a:rPr lang="en-US" smtClean="0"/>
-              <a:t>10/27/2019</a:t>
+              <a:t>9/26/2024</a:t>
             </a:fld>
             <a:endParaRPr lang="en-US"/>
           </a:p>
@@ -4875,7 +5000,7 @@
           <a:p>
             <a:fld id="{67D990C7-1EC9-6340-94EA-7A01412E751D}" type="datetimeFigureOut">
               <a:rPr lang="en-US" smtClean="0"/>
-              <a:t>10/27/2019</a:t>
+              <a:t>9/26/2024</a:t>
             </a:fld>
             <a:endParaRPr lang="en-US"/>
           </a:p>
@@ -5188,7 +5313,7 @@
           <a:p>
             <a:fld id="{67D990C7-1EC9-6340-94EA-7A01412E751D}" type="datetimeFigureOut">
               <a:rPr lang="en-US" smtClean="0"/>
-              <a:t>10/27/2019</a:t>
+              <a:t>9/26/2024</a:t>
             </a:fld>
             <a:endParaRPr lang="en-US"/>
           </a:p>
@@ -5434,7 +5559,7 @@
           <a:p>
             <a:fld id="{67D990C7-1EC9-6340-94EA-7A01412E751D}" type="datetimeFigureOut">
               <a:rPr lang="en-US" smtClean="0"/>
-              <a:t>10/27/2019</a:t>
+              <a:t>9/26/2024</a:t>
             </a:fld>
             <a:endParaRPr lang="en-US"/>
           </a:p>
@@ -5922,7 +6047,7 @@
           <p:cNvPr id="2" name="Title 1">
             <a:extLst>
               <a:ext uri="{FF2B5EF4-FFF2-40B4-BE49-F238E27FC236}">
-                <a16:creationId xmlns:a16="http://schemas.microsoft.com/office/drawing/2014/main" id="{0A9032D7-3B28-994D-90C5-B36A69F93795}"/>
+                <a16:creationId xmlns:a16="http://schemas.microsoft.com/office/drawing/2014/main" id="{24BA3AB6-81FF-C74A-A207-93B4BD27C42E}"/>
               </a:ext>
             </a:extLst>
           </p:cNvPr>
@@ -5935,13 +6060,11 @@
         </p:nvSpPr>
         <p:spPr/>
         <p:txBody>
-          <a:bodyPr>
-            <a:normAutofit/>
-          </a:bodyPr>
-          <a:lstStyle/>
-          <a:p>
-            <a:r>
-              <a:rPr lang="en-US" sz="4000" dirty="0"/>
+          <a:bodyPr/>
+          <a:lstStyle/>
+          <a:p>
+            <a:r>
+              <a:rPr lang="en-US" dirty="0"/>
               <a:t>Inheritance</a:t>
             </a:r>
           </a:p>
@@ -5952,7 +6075,7 @@
           <p:cNvPr id="3" name="Content Placeholder 2">
             <a:extLst>
               <a:ext uri="{FF2B5EF4-FFF2-40B4-BE49-F238E27FC236}">
-                <a16:creationId xmlns:a16="http://schemas.microsoft.com/office/drawing/2014/main" id="{D0F28C76-678F-6942-9279-F5E366032B05}"/>
+                <a16:creationId xmlns:a16="http://schemas.microsoft.com/office/drawing/2014/main" id="{24D2C6C6-7D9A-7243-8217-24EF7FB21CC9}"/>
               </a:ext>
             </a:extLst>
           </p:cNvPr>
@@ -5965,20 +6088,66 @@
         </p:nvSpPr>
         <p:spPr/>
         <p:txBody>
-          <a:bodyPr anchor="ctr"/>
-          <a:lstStyle/>
-          <a:p>
-            <a:pPr lvl="0"/>
+          <a:bodyPr/>
+          <a:lstStyle/>
+          <a:p>
             <a:r>
               <a:rPr lang="en-US" dirty="0"/>
-              <a:t>Encapsulation means both attributes and behaviors.</a:t>
-            </a:r>
-          </a:p>
-          <a:p>
-            <a:pPr lvl="0"/>
+              <a:t>Inheritance is the concept in which the definition of a class is derived from another class. </a:t>
+            </a:r>
+          </a:p>
+          <a:p>
             <a:r>
               <a:rPr lang="en-US" dirty="0"/>
-              <a:t>Concrete objects should be given the responsibility of implementing their own behavior. </a:t>
+              <a:t>An existing class, called the </a:t>
+            </a:r>
+            <a:r>
+              <a:rPr lang="en-US" b="1" dirty="0"/>
+              <a:t>super class</a:t>
+            </a:r>
+            <a:r>
+              <a:rPr lang="en-US" dirty="0"/>
+              <a:t> (also called the </a:t>
+            </a:r>
+            <a:r>
+              <a:rPr lang="en-US" b="1" dirty="0"/>
+              <a:t>base class</a:t>
+            </a:r>
+            <a:r>
+              <a:rPr lang="en-US" dirty="0"/>
+              <a:t> or the </a:t>
+            </a:r>
+            <a:r>
+              <a:rPr lang="en-US" b="1" dirty="0"/>
+              <a:t>parent class</a:t>
+            </a:r>
+            <a:r>
+              <a:rPr lang="en-US" dirty="0"/>
+              <a:t>) passes all visible attributes and methods to a </a:t>
+            </a:r>
+            <a:r>
+              <a:rPr lang="en-US" b="1" dirty="0"/>
+              <a:t>sub class</a:t>
+            </a:r>
+            <a:r>
+              <a:rPr lang="en-US" dirty="0"/>
+              <a:t> (also called the </a:t>
+            </a:r>
+            <a:r>
+              <a:rPr lang="en-US" b="1" dirty="0"/>
+              <a:t>derived class</a:t>
+            </a:r>
+            <a:r>
+              <a:rPr lang="en-US" dirty="0"/>
+              <a:t> or the </a:t>
+            </a:r>
+            <a:r>
+              <a:rPr lang="en-US" b="1" dirty="0"/>
+              <a:t>child class</a:t>
+            </a:r>
+            <a:r>
+              <a:rPr lang="en-US" dirty="0"/>
+              <a:t>). </a:t>
             </a:r>
             <a:endParaRPr lang="en-PH" dirty="0"/>
           </a:p>
@@ -5987,7 +6156,7 @@
     </p:spTree>
     <p:extLst>
       <p:ext uri="{BB962C8B-B14F-4D97-AF65-F5344CB8AC3E}">
-        <p14:creationId xmlns:p14="http://schemas.microsoft.com/office/powerpoint/2010/main" val="2041683194"/>
+        <p14:creationId xmlns:p14="http://schemas.microsoft.com/office/powerpoint/2010/main" val="3763651540"/>
       </p:ext>
     </p:extLst>
   </p:cSld>
@@ -6062,6 +6231,103 @@
         </p:nvSpPr>
         <p:spPr/>
         <p:txBody>
+          <a:bodyPr anchor="ctr"/>
+          <a:lstStyle/>
+          <a:p>
+            <a:pPr lvl="0"/>
+            <a:r>
+              <a:rPr lang="en-US" dirty="0"/>
+              <a:t>Encapsulation means both attributes and behaviors.</a:t>
+            </a:r>
+          </a:p>
+          <a:p>
+            <a:pPr lvl="0"/>
+            <a:r>
+              <a:rPr lang="en-US" dirty="0"/>
+              <a:t>Concrete objects should be given the responsibility of implementing their own behavior. </a:t>
+            </a:r>
+            <a:endParaRPr lang="en-PH" dirty="0"/>
+          </a:p>
+        </p:txBody>
+      </p:sp>
+    </p:spTree>
+    <p:extLst>
+      <p:ext uri="{BB962C8B-B14F-4D97-AF65-F5344CB8AC3E}">
+        <p14:creationId xmlns:p14="http://schemas.microsoft.com/office/powerpoint/2010/main" val="2041683194"/>
+      </p:ext>
+    </p:extLst>
+  </p:cSld>
+  <p:clrMapOvr>
+    <a:masterClrMapping/>
+  </p:clrMapOvr>
+</p:sld>
+</file>
+
+<file path=ppt/slides/slide12.xml><?xml version="1.0" encoding="utf-8"?>
+<p:sld xmlns:a="http://schemas.openxmlformats.org/drawingml/2006/main" xmlns:r="http://schemas.openxmlformats.org/officeDocument/2006/relationships" xmlns:p="http://schemas.openxmlformats.org/presentationml/2006/main">
+  <p:cSld>
+    <p:spTree>
+      <p:nvGrpSpPr>
+        <p:cNvPr id="1" name=""/>
+        <p:cNvGrpSpPr/>
+        <p:nvPr/>
+      </p:nvGrpSpPr>
+      <p:grpSpPr>
+        <a:xfrm>
+          <a:off x="0" y="0"/>
+          <a:ext cx="0" cy="0"/>
+          <a:chOff x="0" y="0"/>
+          <a:chExt cx="0" cy="0"/>
+        </a:xfrm>
+      </p:grpSpPr>
+      <p:sp>
+        <p:nvSpPr>
+          <p:cNvPr id="2" name="Title 1">
+            <a:extLst>
+              <a:ext uri="{FF2B5EF4-FFF2-40B4-BE49-F238E27FC236}">
+                <a16:creationId xmlns:a16="http://schemas.microsoft.com/office/drawing/2014/main" id="{0A9032D7-3B28-994D-90C5-B36A69F93795}"/>
+              </a:ext>
+            </a:extLst>
+          </p:cNvPr>
+          <p:cNvSpPr>
+            <a:spLocks noGrp="1"/>
+          </p:cNvSpPr>
+          <p:nvPr>
+            <p:ph type="title"/>
+          </p:nvPr>
+        </p:nvSpPr>
+        <p:spPr/>
+        <p:txBody>
+          <a:bodyPr>
+            <a:normAutofit/>
+          </a:bodyPr>
+          <a:lstStyle/>
+          <a:p>
+            <a:r>
+              <a:rPr lang="en-US" sz="4000" dirty="0"/>
+              <a:t>Inheritance</a:t>
+            </a:r>
+          </a:p>
+        </p:txBody>
+      </p:sp>
+      <p:sp>
+        <p:nvSpPr>
+          <p:cNvPr id="3" name="Content Placeholder 2">
+            <a:extLst>
+              <a:ext uri="{FF2B5EF4-FFF2-40B4-BE49-F238E27FC236}">
+                <a16:creationId xmlns:a16="http://schemas.microsoft.com/office/drawing/2014/main" id="{D0F28C76-678F-6942-9279-F5E366032B05}"/>
+              </a:ext>
+            </a:extLst>
+          </p:cNvPr>
+          <p:cNvSpPr>
+            <a:spLocks noGrp="1"/>
+          </p:cNvSpPr>
+          <p:nvPr>
+            <p:ph idx="1"/>
+          </p:nvPr>
+        </p:nvSpPr>
+        <p:spPr/>
+        <p:txBody>
           <a:bodyPr anchor="ctr">
             <a:normAutofit lnSpcReduction="10000"/>
           </a:bodyPr>
@@ -6094,7 +6360,7 @@
 </p:sld>
 </file>
 
-<file path=ppt/slides/slide12.xml><?xml version="1.0" encoding="utf-8"?>
+<file path=ppt/slides/slide13.xml><?xml version="1.0" encoding="utf-8"?>
 <p:sld xmlns:a="http://schemas.openxmlformats.org/drawingml/2006/main" xmlns:r="http://schemas.openxmlformats.org/officeDocument/2006/relationships" xmlns:p="http://schemas.openxmlformats.org/presentationml/2006/main">
   <p:cSld>
     <p:spTree>
@@ -6158,97 +6424,6 @@
 </p:sld>
 </file>
 
-<file path=ppt/slides/slide13.xml><?xml version="1.0" encoding="utf-8"?>
-<p:sld xmlns:a="http://schemas.openxmlformats.org/drawingml/2006/main" xmlns:r="http://schemas.openxmlformats.org/officeDocument/2006/relationships" xmlns:p="http://schemas.openxmlformats.org/presentationml/2006/main">
-  <p:cSld>
-    <p:spTree>
-      <p:nvGrpSpPr>
-        <p:cNvPr id="1" name=""/>
-        <p:cNvGrpSpPr/>
-        <p:nvPr/>
-      </p:nvGrpSpPr>
-      <p:grpSpPr>
-        <a:xfrm>
-          <a:off x="0" y="0"/>
-          <a:ext cx="0" cy="0"/>
-          <a:chOff x="0" y="0"/>
-          <a:chExt cx="0" cy="0"/>
-        </a:xfrm>
-      </p:grpSpPr>
-      <p:sp>
-        <p:nvSpPr>
-          <p:cNvPr id="2" name="Title 1">
-            <a:extLst>
-              <a:ext uri="{FF2B5EF4-FFF2-40B4-BE49-F238E27FC236}">
-                <a16:creationId xmlns:a16="http://schemas.microsoft.com/office/drawing/2014/main" id="{0A9032D7-3B28-994D-90C5-B36A69F93795}"/>
-              </a:ext>
-            </a:extLst>
-          </p:cNvPr>
-          <p:cNvSpPr>
-            <a:spLocks noGrp="1"/>
-          </p:cNvSpPr>
-          <p:nvPr>
-            <p:ph type="title"/>
-          </p:nvPr>
-        </p:nvSpPr>
-        <p:spPr/>
-        <p:txBody>
-          <a:bodyPr>
-            <a:normAutofit/>
-          </a:bodyPr>
-          <a:lstStyle/>
-          <a:p>
-            <a:r>
-              <a:rPr lang="en-US" sz="4000" dirty="0"/>
-              <a:t>Inheritance</a:t>
-            </a:r>
-          </a:p>
-        </p:txBody>
-      </p:sp>
-      <p:sp>
-        <p:nvSpPr>
-          <p:cNvPr id="3" name="Content Placeholder 2">
-            <a:extLst>
-              <a:ext uri="{FF2B5EF4-FFF2-40B4-BE49-F238E27FC236}">
-                <a16:creationId xmlns:a16="http://schemas.microsoft.com/office/drawing/2014/main" id="{D0F28C76-678F-6942-9279-F5E366032B05}"/>
-              </a:ext>
-            </a:extLst>
-          </p:cNvPr>
-          <p:cNvSpPr>
-            <a:spLocks noGrp="1"/>
-          </p:cNvSpPr>
-          <p:nvPr>
-            <p:ph idx="1"/>
-          </p:nvPr>
-        </p:nvSpPr>
-        <p:spPr/>
-        <p:txBody>
-          <a:bodyPr anchor="ctr">
-            <a:normAutofit/>
-          </a:bodyPr>
-          <a:lstStyle/>
-          <a:p>
-            <a:r>
-              <a:rPr lang="en-US" dirty="0"/>
-              <a:t>In this example the supertype animal is a generalization of the subtype mammal. </a:t>
-            </a:r>
-            <a:endParaRPr lang="en-PH" dirty="0"/>
-          </a:p>
-        </p:txBody>
-      </p:sp>
-    </p:spTree>
-    <p:extLst>
-      <p:ext uri="{BB962C8B-B14F-4D97-AF65-F5344CB8AC3E}">
-        <p14:creationId xmlns:p14="http://schemas.microsoft.com/office/powerpoint/2010/main" val="545956092"/>
-      </p:ext>
-    </p:extLst>
-  </p:cSld>
-  <p:clrMapOvr>
-    <a:masterClrMapping/>
-  </p:clrMapOvr>
-</p:sld>
-</file>
-
 <file path=ppt/slides/slide14.xml><?xml version="1.0" encoding="utf-8"?>
 <p:sld xmlns:a="http://schemas.openxmlformats.org/drawingml/2006/main" xmlns:r="http://schemas.openxmlformats.org/officeDocument/2006/relationships" xmlns:p="http://schemas.openxmlformats.org/presentationml/2006/main">
   <p:cSld>
@@ -6321,7 +6496,7 @@
           <a:p>
             <a:r>
               <a:rPr lang="en-US" dirty="0"/>
-              <a:t>Although it isn’t shown, Mammal will also have the attributes name and weight and the method sound() since it inherits these from the parent class. </a:t>
+              <a:t>In this example the supertype animal is a generalization of the subtype mammal. </a:t>
             </a:r>
             <a:endParaRPr lang="en-PH" dirty="0"/>
           </a:p>
@@ -6330,7 +6505,7 @@
     </p:spTree>
     <p:extLst>
       <p:ext uri="{BB962C8B-B14F-4D97-AF65-F5344CB8AC3E}">
-        <p14:creationId xmlns:p14="http://schemas.microsoft.com/office/powerpoint/2010/main" val="2285967381"/>
+        <p14:creationId xmlns:p14="http://schemas.microsoft.com/office/powerpoint/2010/main" val="545956092"/>
       </p:ext>
     </p:extLst>
   </p:cSld>
@@ -6412,15 +6587,7 @@
           <a:p>
             <a:r>
               <a:rPr lang="en-US" dirty="0"/>
-              <a:t>Mammal has a method of its own called lactate() which it </a:t>
-            </a:r>
-            <a:r>
-              <a:rPr lang="en-US" dirty="0" err="1"/>
-              <a:t>doesn</a:t>
-            </a:r>
-            <a:r>
-              <a:rPr lang="en-US" dirty="0"/>
-              <a:t> share with animal.</a:t>
+              <a:t>Although it isn’t shown, Mammal will also have the attributes name and weight and the method sound() since it inherits these from the parent class. </a:t>
             </a:r>
             <a:endParaRPr lang="en-PH" dirty="0"/>
           </a:p>
@@ -6429,7 +6596,7 @@
     </p:spTree>
     <p:extLst>
       <p:ext uri="{BB962C8B-B14F-4D97-AF65-F5344CB8AC3E}">
-        <p14:creationId xmlns:p14="http://schemas.microsoft.com/office/powerpoint/2010/main" val="2481317461"/>
+        <p14:creationId xmlns:p14="http://schemas.microsoft.com/office/powerpoint/2010/main" val="2285967381"/>
       </p:ext>
     </p:extLst>
   </p:cSld>
@@ -6511,6 +6678,105 @@
           <a:p>
             <a:r>
               <a:rPr lang="en-US" dirty="0"/>
+              <a:t>Mammal has a method of its own called lactate() which it </a:t>
+            </a:r>
+            <a:r>
+              <a:rPr lang="en-US" dirty="0" err="1"/>
+              <a:t>doesn</a:t>
+            </a:r>
+            <a:r>
+              <a:rPr lang="en-US" dirty="0"/>
+              <a:t> share with animal.</a:t>
+            </a:r>
+            <a:endParaRPr lang="en-PH" dirty="0"/>
+          </a:p>
+        </p:txBody>
+      </p:sp>
+    </p:spTree>
+    <p:extLst>
+      <p:ext uri="{BB962C8B-B14F-4D97-AF65-F5344CB8AC3E}">
+        <p14:creationId xmlns:p14="http://schemas.microsoft.com/office/powerpoint/2010/main" val="2481317461"/>
+      </p:ext>
+    </p:extLst>
+  </p:cSld>
+  <p:clrMapOvr>
+    <a:masterClrMapping/>
+  </p:clrMapOvr>
+</p:sld>
+</file>
+
+<file path=ppt/slides/slide17.xml><?xml version="1.0" encoding="utf-8"?>
+<p:sld xmlns:a="http://schemas.openxmlformats.org/drawingml/2006/main" xmlns:r="http://schemas.openxmlformats.org/officeDocument/2006/relationships" xmlns:p="http://schemas.openxmlformats.org/presentationml/2006/main">
+  <p:cSld>
+    <p:spTree>
+      <p:nvGrpSpPr>
+        <p:cNvPr id="1" name=""/>
+        <p:cNvGrpSpPr/>
+        <p:nvPr/>
+      </p:nvGrpSpPr>
+      <p:grpSpPr>
+        <a:xfrm>
+          <a:off x="0" y="0"/>
+          <a:ext cx="0" cy="0"/>
+          <a:chOff x="0" y="0"/>
+          <a:chExt cx="0" cy="0"/>
+        </a:xfrm>
+      </p:grpSpPr>
+      <p:sp>
+        <p:nvSpPr>
+          <p:cNvPr id="2" name="Title 1">
+            <a:extLst>
+              <a:ext uri="{FF2B5EF4-FFF2-40B4-BE49-F238E27FC236}">
+                <a16:creationId xmlns:a16="http://schemas.microsoft.com/office/drawing/2014/main" id="{0A9032D7-3B28-994D-90C5-B36A69F93795}"/>
+              </a:ext>
+            </a:extLst>
+          </p:cNvPr>
+          <p:cNvSpPr>
+            <a:spLocks noGrp="1"/>
+          </p:cNvSpPr>
+          <p:nvPr>
+            <p:ph type="title"/>
+          </p:nvPr>
+        </p:nvSpPr>
+        <p:spPr/>
+        <p:txBody>
+          <a:bodyPr>
+            <a:normAutofit/>
+          </a:bodyPr>
+          <a:lstStyle/>
+          <a:p>
+            <a:r>
+              <a:rPr lang="en-US" sz="4000" dirty="0"/>
+              <a:t>Inheritance</a:t>
+            </a:r>
+          </a:p>
+        </p:txBody>
+      </p:sp>
+      <p:sp>
+        <p:nvSpPr>
+          <p:cNvPr id="3" name="Content Placeholder 2">
+            <a:extLst>
+              <a:ext uri="{FF2B5EF4-FFF2-40B4-BE49-F238E27FC236}">
+                <a16:creationId xmlns:a16="http://schemas.microsoft.com/office/drawing/2014/main" id="{D0F28C76-678F-6942-9279-F5E366032B05}"/>
+              </a:ext>
+            </a:extLst>
+          </p:cNvPr>
+          <p:cNvSpPr>
+            <a:spLocks noGrp="1"/>
+          </p:cNvSpPr>
+          <p:nvPr>
+            <p:ph idx="1"/>
+          </p:nvPr>
+        </p:nvSpPr>
+        <p:spPr/>
+        <p:txBody>
+          <a:bodyPr anchor="ctr">
+            <a:normAutofit/>
+          </a:bodyPr>
+          <a:lstStyle/>
+          <a:p>
+            <a:r>
+              <a:rPr lang="en-US" dirty="0"/>
               <a:t>A subclass can also be a super class for another class. </a:t>
             </a:r>
           </a:p>
@@ -6536,7 +6802,7 @@
 </p:sld>
 </file>
 
-<file path=ppt/slides/slide17.xml><?xml version="1.0" encoding="utf-8"?>
+<file path=ppt/slides/slide18.xml><?xml version="1.0" encoding="utf-8"?>
 <p:sld xmlns:a="http://schemas.openxmlformats.org/drawingml/2006/main" xmlns:r="http://schemas.openxmlformats.org/officeDocument/2006/relationships" xmlns:p="http://schemas.openxmlformats.org/presentationml/2006/main">
   <p:cSld>
     <p:spTree>
@@ -6600,107 +6866,6 @@
 </p:sld>
 </file>
 
-<file path=ppt/slides/slide18.xml><?xml version="1.0" encoding="utf-8"?>
-<p:sld xmlns:a="http://schemas.openxmlformats.org/drawingml/2006/main" xmlns:r="http://schemas.openxmlformats.org/officeDocument/2006/relationships" xmlns:p="http://schemas.openxmlformats.org/presentationml/2006/main">
-  <p:cSld>
-    <p:spTree>
-      <p:nvGrpSpPr>
-        <p:cNvPr id="1" name=""/>
-        <p:cNvGrpSpPr/>
-        <p:nvPr/>
-      </p:nvGrpSpPr>
-      <p:grpSpPr>
-        <a:xfrm>
-          <a:off x="0" y="0"/>
-          <a:ext cx="0" cy="0"/>
-          <a:chOff x="0" y="0"/>
-          <a:chExt cx="0" cy="0"/>
-        </a:xfrm>
-      </p:grpSpPr>
-      <p:sp>
-        <p:nvSpPr>
-          <p:cNvPr id="2" name="Title 1">
-            <a:extLst>
-              <a:ext uri="{FF2B5EF4-FFF2-40B4-BE49-F238E27FC236}">
-                <a16:creationId xmlns:a16="http://schemas.microsoft.com/office/drawing/2014/main" id="{24BA3AB6-81FF-C74A-A207-93B4BD27C42E}"/>
-              </a:ext>
-            </a:extLst>
-          </p:cNvPr>
-          <p:cNvSpPr>
-            <a:spLocks noGrp="1"/>
-          </p:cNvSpPr>
-          <p:nvPr>
-            <p:ph type="title"/>
-          </p:nvPr>
-        </p:nvSpPr>
-        <p:spPr/>
-        <p:txBody>
-          <a:bodyPr/>
-          <a:lstStyle/>
-          <a:p>
-            <a:r>
-              <a:rPr lang="en-US" dirty="0"/>
-              <a:t>Polymorphism</a:t>
-            </a:r>
-          </a:p>
-        </p:txBody>
-      </p:sp>
-      <p:sp>
-        <p:nvSpPr>
-          <p:cNvPr id="3" name="Content Placeholder 2">
-            <a:extLst>
-              <a:ext uri="{FF2B5EF4-FFF2-40B4-BE49-F238E27FC236}">
-                <a16:creationId xmlns:a16="http://schemas.microsoft.com/office/drawing/2014/main" id="{24D2C6C6-7D9A-7243-8217-24EF7FB21CC9}"/>
-              </a:ext>
-            </a:extLst>
-          </p:cNvPr>
-          <p:cNvSpPr>
-            <a:spLocks noGrp="1"/>
-          </p:cNvSpPr>
-          <p:nvPr>
-            <p:ph idx="1"/>
-          </p:nvPr>
-        </p:nvSpPr>
-        <p:spPr/>
-        <p:txBody>
-          <a:bodyPr/>
-          <a:lstStyle/>
-          <a:p>
-            <a:r>
-              <a:rPr lang="en-US" dirty="0"/>
-              <a:t>Polymorphism literally means </a:t>
-            </a:r>
-            <a:r>
-              <a:rPr lang="en-US" i="1" dirty="0"/>
-              <a:t>multiple forms</a:t>
-            </a:r>
-            <a:r>
-              <a:rPr lang="en-US" dirty="0"/>
-              <a:t>. One of the core philosophy of OOP allows object instances to exist in multiple forms. </a:t>
-            </a:r>
-          </a:p>
-          <a:p>
-            <a:r>
-              <a:rPr lang="en-US" dirty="0"/>
-              <a:t>What this means code-wise is that the types of object instances can be decided during runtime.</a:t>
-            </a:r>
-            <a:endParaRPr lang="en-PH" dirty="0"/>
-          </a:p>
-        </p:txBody>
-      </p:sp>
-    </p:spTree>
-    <p:extLst>
-      <p:ext uri="{BB962C8B-B14F-4D97-AF65-F5344CB8AC3E}">
-        <p14:creationId xmlns:p14="http://schemas.microsoft.com/office/powerpoint/2010/main" val="2312771656"/>
-      </p:ext>
-    </p:extLst>
-  </p:cSld>
-  <p:clrMapOvr>
-    <a:masterClrMapping/>
-  </p:clrMapOvr>
-</p:sld>
-</file>
-
 <file path=ppt/slides/slide19.xml><?xml version="1.0" encoding="utf-8"?>
 <p:sld xmlns:a="http://schemas.openxmlformats.org/drawingml/2006/main" xmlns:r="http://schemas.openxmlformats.org/officeDocument/2006/relationships" xmlns:p="http://schemas.openxmlformats.org/presentationml/2006/main">
   <p:cSld>
@@ -6723,7 +6888,7 @@
           <p:cNvPr id="2" name="Title 1">
             <a:extLst>
               <a:ext uri="{FF2B5EF4-FFF2-40B4-BE49-F238E27FC236}">
-                <a16:creationId xmlns:a16="http://schemas.microsoft.com/office/drawing/2014/main" id="{0A9032D7-3B28-994D-90C5-B36A69F93795}"/>
+                <a16:creationId xmlns:a16="http://schemas.microsoft.com/office/drawing/2014/main" id="{24BA3AB6-81FF-C74A-A207-93B4BD27C42E}"/>
               </a:ext>
             </a:extLst>
           </p:cNvPr>
@@ -6736,14 +6901,12 @@
         </p:nvSpPr>
         <p:spPr/>
         <p:txBody>
-          <a:bodyPr>
-            <a:normAutofit/>
-          </a:bodyPr>
-          <a:lstStyle/>
-          <a:p>
-            <a:r>
-              <a:rPr lang="en-US" sz="4000" dirty="0"/>
-              <a:t>Inheritance</a:t>
+          <a:bodyPr/>
+          <a:lstStyle/>
+          <a:p>
+            <a:r>
+              <a:rPr lang="en-US" dirty="0"/>
+              <a:t>Polymorphism</a:t>
             </a:r>
           </a:p>
         </p:txBody>
@@ -6753,7 +6916,7 @@
           <p:cNvPr id="3" name="Content Placeholder 2">
             <a:extLst>
               <a:ext uri="{FF2B5EF4-FFF2-40B4-BE49-F238E27FC236}">
-                <a16:creationId xmlns:a16="http://schemas.microsoft.com/office/drawing/2014/main" id="{D0F28C76-678F-6942-9279-F5E366032B05}"/>
+                <a16:creationId xmlns:a16="http://schemas.microsoft.com/office/drawing/2014/main" id="{24D2C6C6-7D9A-7243-8217-24EF7FB21CC9}"/>
               </a:ext>
             </a:extLst>
           </p:cNvPr>
@@ -6766,14 +6929,26 @@
         </p:nvSpPr>
         <p:spPr/>
         <p:txBody>
-          <a:bodyPr anchor="ctr">
-            <a:normAutofit/>
-          </a:bodyPr>
+          <a:bodyPr/>
           <a:lstStyle/>
           <a:p>
             <a:r>
               <a:rPr lang="en-US" dirty="0"/>
-              <a:t>Mammal has a method of its own called lactate() which it doesn’t share with animal.</a:t>
+              <a:t>Polymorphism literally means </a:t>
+            </a:r>
+            <a:r>
+              <a:rPr lang="en-US" i="1" dirty="0"/>
+              <a:t>multiple forms</a:t>
+            </a:r>
+            <a:r>
+              <a:rPr lang="en-US" dirty="0"/>
+              <a:t>. One of the core philosophy of OOP allows object instances to exist in multiple forms. </a:t>
+            </a:r>
+          </a:p>
+          <a:p>
+            <a:r>
+              <a:rPr lang="en-US" dirty="0"/>
+              <a:t>What this means code-wise is that the types of object instances can be decided during runtime.</a:t>
             </a:r>
             <a:endParaRPr lang="en-PH" dirty="0"/>
           </a:p>
@@ -6782,7 +6957,7 @@
     </p:spTree>
     <p:extLst>
       <p:ext uri="{BB962C8B-B14F-4D97-AF65-F5344CB8AC3E}">
-        <p14:creationId xmlns:p14="http://schemas.microsoft.com/office/powerpoint/2010/main" val="2410505259"/>
+        <p14:creationId xmlns:p14="http://schemas.microsoft.com/office/powerpoint/2010/main" val="2312771656"/>
       </p:ext>
     </p:extLst>
   </p:cSld>
@@ -6900,7 +7075,7 @@
           <p:cNvPr id="2" name="Title 1">
             <a:extLst>
               <a:ext uri="{FF2B5EF4-FFF2-40B4-BE49-F238E27FC236}">
-                <a16:creationId xmlns:a16="http://schemas.microsoft.com/office/drawing/2014/main" id="{462C776F-5279-1945-816B-32017562237F}"/>
+                <a16:creationId xmlns:a16="http://schemas.microsoft.com/office/drawing/2014/main" id="{0A9032D7-3B28-994D-90C5-B36A69F93795}"/>
               </a:ext>
             </a:extLst>
           </p:cNvPr>
@@ -6920,7 +7095,7 @@
           <a:p>
             <a:r>
               <a:rPr lang="en-US" sz="4000" dirty="0"/>
-              <a:t>Compile-time polymorphism</a:t>
+              <a:t>Inheritance</a:t>
             </a:r>
           </a:p>
         </p:txBody>
@@ -6930,7 +7105,7 @@
           <p:cNvPr id="3" name="Content Placeholder 2">
             <a:extLst>
               <a:ext uri="{FF2B5EF4-FFF2-40B4-BE49-F238E27FC236}">
-                <a16:creationId xmlns:a16="http://schemas.microsoft.com/office/drawing/2014/main" id="{F15A9BDD-A60E-3849-A428-99B36A7AB7F2}"/>
+                <a16:creationId xmlns:a16="http://schemas.microsoft.com/office/drawing/2014/main" id="{D0F28C76-678F-6942-9279-F5E366032B05}"/>
               </a:ext>
             </a:extLst>
           </p:cNvPr>
@@ -6950,15 +7125,16 @@
           <a:p>
             <a:r>
               <a:rPr lang="en-US" dirty="0"/>
-              <a:t>There’s also another type of polymorphism that is not necessarily shared by all OOP languages, compile-time polymorphism. </a:t>
-            </a:r>
+              <a:t>Mammal has a method of its own called lactate() which it doesn’t share with animal.</a:t>
+            </a:r>
+            <a:endParaRPr lang="en-PH" dirty="0"/>
           </a:p>
         </p:txBody>
       </p:sp>
     </p:spTree>
     <p:extLst>
       <p:ext uri="{BB962C8B-B14F-4D97-AF65-F5344CB8AC3E}">
-        <p14:creationId xmlns:p14="http://schemas.microsoft.com/office/powerpoint/2010/main" val="1194062732"/>
+        <p14:creationId xmlns:p14="http://schemas.microsoft.com/office/powerpoint/2010/main" val="2410505259"/>
       </p:ext>
     </p:extLst>
   </p:cSld>
@@ -7040,13 +7216,7 @@
           <a:p>
             <a:r>
               <a:rPr lang="en-US" dirty="0"/>
-              <a:t>This is basically the feature where multiple functions can have the same name as long as they have different parameter type signatures.</a:t>
-            </a:r>
-          </a:p>
-          <a:p>
-            <a:r>
-              <a:rPr lang="en-US" dirty="0"/>
-              <a:t>This is also known as method overloading.</a:t>
+              <a:t>There’s also another type of polymorphism that is not necessarily shared by all OOP languages, compile-time polymorphism. </a:t>
             </a:r>
           </a:p>
         </p:txBody>
@@ -7054,7 +7224,7 @@
     </p:spTree>
     <p:extLst>
       <p:ext uri="{BB962C8B-B14F-4D97-AF65-F5344CB8AC3E}">
-        <p14:creationId xmlns:p14="http://schemas.microsoft.com/office/powerpoint/2010/main" val="3443029172"/>
+        <p14:creationId xmlns:p14="http://schemas.microsoft.com/office/powerpoint/2010/main" val="1194062732"/>
       </p:ext>
     </p:extLst>
   </p:cSld>
@@ -7106,6 +7276,102 @@
           <a:p>
             <a:r>
               <a:rPr lang="en-US" sz="4000" dirty="0"/>
+              <a:t>Compile-time polymorphism</a:t>
+            </a:r>
+          </a:p>
+        </p:txBody>
+      </p:sp>
+      <p:sp>
+        <p:nvSpPr>
+          <p:cNvPr id="3" name="Content Placeholder 2">
+            <a:extLst>
+              <a:ext uri="{FF2B5EF4-FFF2-40B4-BE49-F238E27FC236}">
+                <a16:creationId xmlns:a16="http://schemas.microsoft.com/office/drawing/2014/main" id="{F15A9BDD-A60E-3849-A428-99B36A7AB7F2}"/>
+              </a:ext>
+            </a:extLst>
+          </p:cNvPr>
+          <p:cNvSpPr>
+            <a:spLocks noGrp="1"/>
+          </p:cNvSpPr>
+          <p:nvPr>
+            <p:ph idx="1"/>
+          </p:nvPr>
+        </p:nvSpPr>
+        <p:spPr/>
+        <p:txBody>
+          <a:bodyPr anchor="ctr">
+            <a:normAutofit/>
+          </a:bodyPr>
+          <a:lstStyle/>
+          <a:p>
+            <a:r>
+              <a:rPr lang="en-US" dirty="0"/>
+              <a:t>This is basically the feature where multiple functions can have the same name as long as they have different parameter type signatures.</a:t>
+            </a:r>
+          </a:p>
+          <a:p>
+            <a:r>
+              <a:rPr lang="en-US" dirty="0"/>
+              <a:t>This is also known as method overloading.</a:t>
+            </a:r>
+          </a:p>
+        </p:txBody>
+      </p:sp>
+    </p:spTree>
+    <p:extLst>
+      <p:ext uri="{BB962C8B-B14F-4D97-AF65-F5344CB8AC3E}">
+        <p14:creationId xmlns:p14="http://schemas.microsoft.com/office/powerpoint/2010/main" val="3443029172"/>
+      </p:ext>
+    </p:extLst>
+  </p:cSld>
+  <p:clrMapOvr>
+    <a:masterClrMapping/>
+  </p:clrMapOvr>
+</p:sld>
+</file>
+
+<file path=ppt/slides/slide23.xml><?xml version="1.0" encoding="utf-8"?>
+<p:sld xmlns:a="http://schemas.openxmlformats.org/drawingml/2006/main" xmlns:r="http://schemas.openxmlformats.org/officeDocument/2006/relationships" xmlns:p="http://schemas.openxmlformats.org/presentationml/2006/main">
+  <p:cSld>
+    <p:spTree>
+      <p:nvGrpSpPr>
+        <p:cNvPr id="1" name=""/>
+        <p:cNvGrpSpPr/>
+        <p:nvPr/>
+      </p:nvGrpSpPr>
+      <p:grpSpPr>
+        <a:xfrm>
+          <a:off x="0" y="0"/>
+          <a:ext cx="0" cy="0"/>
+          <a:chOff x="0" y="0"/>
+          <a:chExt cx="0" cy="0"/>
+        </a:xfrm>
+      </p:grpSpPr>
+      <p:sp>
+        <p:nvSpPr>
+          <p:cNvPr id="2" name="Title 1">
+            <a:extLst>
+              <a:ext uri="{FF2B5EF4-FFF2-40B4-BE49-F238E27FC236}">
+                <a16:creationId xmlns:a16="http://schemas.microsoft.com/office/drawing/2014/main" id="{462C776F-5279-1945-816B-32017562237F}"/>
+              </a:ext>
+            </a:extLst>
+          </p:cNvPr>
+          <p:cNvSpPr>
+            <a:spLocks noGrp="1"/>
+          </p:cNvSpPr>
+          <p:nvPr>
+            <p:ph type="title"/>
+          </p:nvPr>
+        </p:nvSpPr>
+        <p:spPr/>
+        <p:txBody>
+          <a:bodyPr>
+            <a:normAutofit/>
+          </a:bodyPr>
+          <a:lstStyle/>
+          <a:p>
+            <a:r>
+              <a:rPr lang="en-US" sz="4000" dirty="0"/>
               <a:t>Run-time polymorphism</a:t>
             </a:r>
           </a:p>
@@ -7154,7 +7420,7 @@
 </p:sld>
 </file>
 
-<file path=ppt/slides/slide23.xml><?xml version="1.0" encoding="utf-8"?>
+<file path=ppt/slides/slide24.xml><?xml version="1.0" encoding="utf-8"?>
 <p:sld xmlns:a="http://schemas.openxmlformats.org/drawingml/2006/main" xmlns:r="http://schemas.openxmlformats.org/officeDocument/2006/relationships" xmlns:p="http://schemas.openxmlformats.org/presentationml/2006/main">
   <p:cSld>
     <p:spTree>
@@ -7218,120 +7484,6 @@
 </p:sld>
 </file>
 
-<file path=ppt/slides/slide24.xml><?xml version="1.0" encoding="utf-8"?>
-<p:sld xmlns:a="http://schemas.openxmlformats.org/drawingml/2006/main" xmlns:r="http://schemas.openxmlformats.org/officeDocument/2006/relationships" xmlns:p="http://schemas.openxmlformats.org/presentationml/2006/main">
-  <p:cSld>
-    <p:spTree>
-      <p:nvGrpSpPr>
-        <p:cNvPr id="1" name=""/>
-        <p:cNvGrpSpPr/>
-        <p:nvPr/>
-      </p:nvGrpSpPr>
-      <p:grpSpPr>
-        <a:xfrm>
-          <a:off x="0" y="0"/>
-          <a:ext cx="0" cy="0"/>
-          <a:chOff x="0" y="0"/>
-          <a:chExt cx="0" cy="0"/>
-        </a:xfrm>
-      </p:grpSpPr>
-      <p:sp>
-        <p:nvSpPr>
-          <p:cNvPr id="3" name="Title 2">
-            <a:extLst>
-              <a:ext uri="{FF2B5EF4-FFF2-40B4-BE49-F238E27FC236}">
-                <a16:creationId xmlns:a16="http://schemas.microsoft.com/office/drawing/2014/main" id="{BD0BA7D9-52E6-524B-A9A3-1420F2AB7F31}"/>
-              </a:ext>
-            </a:extLst>
-          </p:cNvPr>
-          <p:cNvSpPr>
-            <a:spLocks noGrp="1"/>
-          </p:cNvSpPr>
-          <p:nvPr>
-            <p:ph type="title"/>
-          </p:nvPr>
-        </p:nvSpPr>
-        <p:spPr/>
-        <p:txBody>
-          <a:bodyPr>
-            <a:normAutofit/>
-          </a:bodyPr>
-          <a:lstStyle/>
-          <a:p>
-            <a:r>
-              <a:rPr lang="en-US" sz="4000" dirty="0"/>
-              <a:t>Run-time polymorphism</a:t>
-            </a:r>
-          </a:p>
-        </p:txBody>
-      </p:sp>
-      <p:sp>
-        <p:nvSpPr>
-          <p:cNvPr id="4" name="Content Placeholder 3">
-            <a:extLst>
-              <a:ext uri="{FF2B5EF4-FFF2-40B4-BE49-F238E27FC236}">
-                <a16:creationId xmlns:a16="http://schemas.microsoft.com/office/drawing/2014/main" id="{87222B86-7FC9-4843-9186-809F7B07087D}"/>
-              </a:ext>
-            </a:extLst>
-          </p:cNvPr>
-          <p:cNvSpPr>
-            <a:spLocks noGrp="1"/>
-          </p:cNvSpPr>
-          <p:nvPr>
-            <p:ph idx="1"/>
-          </p:nvPr>
-        </p:nvSpPr>
-        <p:spPr/>
-        <p:txBody>
-          <a:bodyPr anchor="ctr"/>
-          <a:lstStyle/>
-          <a:p>
-            <a:r>
-              <a:rPr lang="en-US" dirty="0"/>
-              <a:t>An object instantiated to be of type </a:t>
-            </a:r>
-            <a:r>
-              <a:rPr lang="en-US" dirty="0">
-                <a:latin typeface="Source Code Pro"/>
-                <a:cs typeface="Consolas" panose="020B0609020204030204" pitchFamily="49" charset="0"/>
-              </a:rPr>
-              <a:t>Primate</a:t>
-            </a:r>
-            <a:r>
-              <a:rPr lang="en-US" dirty="0">
-                <a:cs typeface="Consolas" panose="020B0609020204030204" pitchFamily="49" charset="0"/>
-              </a:rPr>
-              <a:t> is also an instance of an </a:t>
-            </a:r>
-            <a:r>
-              <a:rPr lang="en-US" dirty="0">
-                <a:latin typeface="Source Code Pro"/>
-                <a:cs typeface="Consolas" panose="020B0609020204030204" pitchFamily="49" charset="0"/>
-              </a:rPr>
-              <a:t>Animal</a:t>
-            </a:r>
-            <a:r>
-              <a:rPr lang="en-US" dirty="0">
-                <a:cs typeface="Consolas" panose="020B0609020204030204" pitchFamily="49" charset="0"/>
-              </a:rPr>
-              <a:t> because a primate is just a specialization of an animal.</a:t>
-            </a:r>
-          </a:p>
-        </p:txBody>
-      </p:sp>
-    </p:spTree>
-    <p:extLst>
-      <p:ext uri="{BB962C8B-B14F-4D97-AF65-F5344CB8AC3E}">
-        <p14:creationId xmlns:p14="http://schemas.microsoft.com/office/powerpoint/2010/main" val="884763266"/>
-      </p:ext>
-    </p:extLst>
-  </p:cSld>
-  <p:clrMapOvr>
-    <a:masterClrMapping/>
-  </p:clrMapOvr>
-</p:sld>
-</file>
-
 <file path=ppt/slides/slide25.xml><?xml version="1.0" encoding="utf-8"?>
 <p:sld xmlns:a="http://schemas.openxmlformats.org/drawingml/2006/main" xmlns:r="http://schemas.openxmlformats.org/officeDocument/2006/relationships" xmlns:p="http://schemas.openxmlformats.org/presentationml/2006/main">
   <p:cSld>
@@ -7401,10 +7553,34 @@
           <a:lstStyle/>
           <a:p>
             <a:r>
+              <a:rPr lang="en-US" dirty="0"/>
+              <a:t>An object instantiated to be of type </a:t>
+            </a:r>
+            <a:r>
+              <a:rPr lang="en-US" dirty="0">
+                <a:latin typeface="Source Code Pro"/>
+                <a:cs typeface="Consolas" panose="020B0609020204030204" pitchFamily="49" charset="0"/>
+              </a:rPr>
+              <a:t>Primate</a:t>
+            </a:r>
+            <a:r>
               <a:rPr lang="en-US" dirty="0">
                 <a:cs typeface="Consolas" panose="020B0609020204030204" pitchFamily="49" charset="0"/>
               </a:rPr>
-              <a:t>This reflects how the real world works because a primate is indeed an animal</a:t>
+              <a:t> is also an instance of an </a:t>
+            </a:r>
+            <a:r>
+              <a:rPr lang="en-US" dirty="0">
+                <a:latin typeface="Source Code Pro"/>
+                <a:cs typeface="Consolas" panose="020B0609020204030204" pitchFamily="49" charset="0"/>
+              </a:rPr>
+              <a:t>Animal</a:t>
+            </a:r>
+            <a:r>
+              <a:rPr lang="en-US" dirty="0">
+                <a:cs typeface="Consolas" panose="020B0609020204030204" pitchFamily="49" charset="0"/>
+              </a:rPr>
+              <a:t> because a primate is just a specialization of an animal.</a:t>
             </a:r>
           </a:p>
         </p:txBody>
@@ -7412,7 +7588,7 @@
     </p:spTree>
     <p:extLst>
       <p:ext uri="{BB962C8B-B14F-4D97-AF65-F5344CB8AC3E}">
-        <p14:creationId xmlns:p14="http://schemas.microsoft.com/office/powerpoint/2010/main" val="1844775333"/>
+        <p14:creationId xmlns:p14="http://schemas.microsoft.com/office/powerpoint/2010/main" val="884763266"/>
       </p:ext>
     </p:extLst>
   </p:cSld>
@@ -7494,6 +7670,96 @@
               <a:rPr lang="en-US" dirty="0">
                 <a:cs typeface="Consolas" panose="020B0609020204030204" pitchFamily="49" charset="0"/>
               </a:rPr>
+              <a:t>This reflects how the real world works because a primate is indeed an animal</a:t>
+            </a:r>
+          </a:p>
+        </p:txBody>
+      </p:sp>
+    </p:spTree>
+    <p:extLst>
+      <p:ext uri="{BB962C8B-B14F-4D97-AF65-F5344CB8AC3E}">
+        <p14:creationId xmlns:p14="http://schemas.microsoft.com/office/powerpoint/2010/main" val="1844775333"/>
+      </p:ext>
+    </p:extLst>
+  </p:cSld>
+  <p:clrMapOvr>
+    <a:masterClrMapping/>
+  </p:clrMapOvr>
+</p:sld>
+</file>
+
+<file path=ppt/slides/slide27.xml><?xml version="1.0" encoding="utf-8"?>
+<p:sld xmlns:a="http://schemas.openxmlformats.org/drawingml/2006/main" xmlns:r="http://schemas.openxmlformats.org/officeDocument/2006/relationships" xmlns:p="http://schemas.openxmlformats.org/presentationml/2006/main">
+  <p:cSld>
+    <p:spTree>
+      <p:nvGrpSpPr>
+        <p:cNvPr id="1" name=""/>
+        <p:cNvGrpSpPr/>
+        <p:nvPr/>
+      </p:nvGrpSpPr>
+      <p:grpSpPr>
+        <a:xfrm>
+          <a:off x="0" y="0"/>
+          <a:ext cx="0" cy="0"/>
+          <a:chOff x="0" y="0"/>
+          <a:chExt cx="0" cy="0"/>
+        </a:xfrm>
+      </p:grpSpPr>
+      <p:sp>
+        <p:nvSpPr>
+          <p:cNvPr id="3" name="Title 2">
+            <a:extLst>
+              <a:ext uri="{FF2B5EF4-FFF2-40B4-BE49-F238E27FC236}">
+                <a16:creationId xmlns:a16="http://schemas.microsoft.com/office/drawing/2014/main" id="{BD0BA7D9-52E6-524B-A9A3-1420F2AB7F31}"/>
+              </a:ext>
+            </a:extLst>
+          </p:cNvPr>
+          <p:cNvSpPr>
+            <a:spLocks noGrp="1"/>
+          </p:cNvSpPr>
+          <p:nvPr>
+            <p:ph type="title"/>
+          </p:nvPr>
+        </p:nvSpPr>
+        <p:spPr/>
+        <p:txBody>
+          <a:bodyPr>
+            <a:normAutofit/>
+          </a:bodyPr>
+          <a:lstStyle/>
+          <a:p>
+            <a:r>
+              <a:rPr lang="en-US" sz="4000" dirty="0"/>
+              <a:t>Run-time polymorphism</a:t>
+            </a:r>
+          </a:p>
+        </p:txBody>
+      </p:sp>
+      <p:sp>
+        <p:nvSpPr>
+          <p:cNvPr id="4" name="Content Placeholder 3">
+            <a:extLst>
+              <a:ext uri="{FF2B5EF4-FFF2-40B4-BE49-F238E27FC236}">
+                <a16:creationId xmlns:a16="http://schemas.microsoft.com/office/drawing/2014/main" id="{87222B86-7FC9-4843-9186-809F7B07087D}"/>
+              </a:ext>
+            </a:extLst>
+          </p:cNvPr>
+          <p:cNvSpPr>
+            <a:spLocks noGrp="1"/>
+          </p:cNvSpPr>
+          <p:nvPr>
+            <p:ph idx="1"/>
+          </p:nvPr>
+        </p:nvSpPr>
+        <p:spPr/>
+        <p:txBody>
+          <a:bodyPr anchor="ctr"/>
+          <a:lstStyle/>
+          <a:p>
+            <a:r>
+              <a:rPr lang="en-US" dirty="0">
+                <a:cs typeface="Consolas" panose="020B0609020204030204" pitchFamily="49" charset="0"/>
+              </a:rPr>
               <a:t>On realization relationships like a </a:t>
             </a:r>
             <a:r>
@@ -7538,7 +7804,7 @@
 </p:sld>
 </file>
 
-<file path=ppt/slides/slide27.xml><?xml version="1.0" encoding="utf-8"?>
+<file path=ppt/slides/slide28.xml><?xml version="1.0" encoding="utf-8"?>
 <p:sld xmlns:a="http://schemas.openxmlformats.org/drawingml/2006/main" xmlns:r="http://schemas.openxmlformats.org/officeDocument/2006/relationships" xmlns:p="http://schemas.openxmlformats.org/presentationml/2006/main">
   <p:cSld>
     <p:spTree>
@@ -8282,7 +8548,7 @@
           <p:cNvPr id="2" name="Title 1">
             <a:extLst>
               <a:ext uri="{FF2B5EF4-FFF2-40B4-BE49-F238E27FC236}">
-                <a16:creationId xmlns:a16="http://schemas.microsoft.com/office/drawing/2014/main" id="{24BA3AB6-81FF-C74A-A207-93B4BD27C42E}"/>
+                <a16:creationId xmlns:a16="http://schemas.microsoft.com/office/drawing/2014/main" id="{0A9032D7-3B28-994D-90C5-B36A69F93795}"/>
               </a:ext>
             </a:extLst>
           </p:cNvPr>
@@ -8295,12 +8561,14 @@
         </p:nvSpPr>
         <p:spPr/>
         <p:txBody>
-          <a:bodyPr/>
-          <a:lstStyle/>
-          <a:p>
-            <a:r>
-              <a:rPr lang="en-US" dirty="0"/>
-              <a:t>Inheritance</a:t>
+          <a:bodyPr>
+            <a:normAutofit/>
+          </a:bodyPr>
+          <a:lstStyle/>
+          <a:p>
+            <a:r>
+              <a:rPr lang="en-US" sz="4000" dirty="0"/>
+              <a:t>Abstraction</a:t>
             </a:r>
           </a:p>
         </p:txBody>
@@ -8310,7 +8578,7 @@
           <p:cNvPr id="3" name="Content Placeholder 2">
             <a:extLst>
               <a:ext uri="{FF2B5EF4-FFF2-40B4-BE49-F238E27FC236}">
-                <a16:creationId xmlns:a16="http://schemas.microsoft.com/office/drawing/2014/main" id="{24D2C6C6-7D9A-7243-8217-24EF7FB21CC9}"/>
+                <a16:creationId xmlns:a16="http://schemas.microsoft.com/office/drawing/2014/main" id="{D0F28C76-678F-6942-9279-F5E366032B05}"/>
               </a:ext>
             </a:extLst>
           </p:cNvPr>
@@ -8323,67 +8591,10 @@
         </p:nvSpPr>
         <p:spPr/>
         <p:txBody>
-          <a:bodyPr/>
-          <a:lstStyle/>
-          <a:p>
-            <a:r>
-              <a:rPr lang="en-US" dirty="0"/>
-              <a:t>Inheritance is the concept in which the definition of a class is derived from another class. </a:t>
-            </a:r>
-          </a:p>
-          <a:p>
-            <a:r>
-              <a:rPr lang="en-US" dirty="0"/>
-              <a:t>An existing class, called the </a:t>
-            </a:r>
-            <a:r>
-              <a:rPr lang="en-US" b="1" dirty="0"/>
-              <a:t>super class</a:t>
-            </a:r>
-            <a:r>
-              <a:rPr lang="en-US" dirty="0"/>
-              <a:t> (also called the </a:t>
-            </a:r>
-            <a:r>
-              <a:rPr lang="en-US" b="1" dirty="0"/>
-              <a:t>base class</a:t>
-            </a:r>
-            <a:r>
-              <a:rPr lang="en-US" dirty="0"/>
-              <a:t> or the </a:t>
-            </a:r>
-            <a:r>
-              <a:rPr lang="en-US" b="1" dirty="0"/>
-              <a:t>parent class</a:t>
-            </a:r>
-            <a:r>
-              <a:rPr lang="en-US" dirty="0"/>
-              <a:t>) passes all visible attributes and methods to a </a:t>
-            </a:r>
-            <a:r>
-              <a:rPr lang="en-US" b="1" dirty="0"/>
-              <a:t>sub class</a:t>
-            </a:r>
-            <a:r>
-              <a:rPr lang="en-US" dirty="0"/>
-              <a:t> (also called the </a:t>
-            </a:r>
-            <a:r>
-              <a:rPr lang="en-US" b="1" dirty="0"/>
-              <a:t>derived class</a:t>
-            </a:r>
-            <a:r>
-              <a:rPr lang="en-US" dirty="0"/>
-              <a:t> or the </a:t>
-            </a:r>
-            <a:r>
-              <a:rPr lang="en-US" b="1" dirty="0"/>
-              <a:t>child class</a:t>
-            </a:r>
-            <a:r>
-              <a:rPr lang="en-US" dirty="0"/>
-              <a:t>). </a:t>
-            </a:r>
+          <a:bodyPr anchor="ctr"/>
+          <a:lstStyle/>
+          <a:p>
+            <a:pPr lvl="0"/>
             <a:endParaRPr lang="en-PH" dirty="0"/>
           </a:p>
         </p:txBody>
@@ -8391,7 +8602,7 @@
     </p:spTree>
     <p:extLst>
       <p:ext uri="{BB962C8B-B14F-4D97-AF65-F5344CB8AC3E}">
-        <p14:creationId xmlns:p14="http://schemas.microsoft.com/office/powerpoint/2010/main" val="3763651540"/>
+        <p14:creationId xmlns:p14="http://schemas.microsoft.com/office/powerpoint/2010/main" val="181148730"/>
       </p:ext>
     </p:extLst>
   </p:cSld>

--- a/PPTs/Fundamental Concpets of OOP.pptx
+++ b/PPTs/Fundamental Concpets of OOP.pptx
@@ -8237,7 +8237,7 @@
         <p:spPr/>
         <p:txBody>
           <a:bodyPr>
-            <a:normAutofit fontScale="92500" lnSpcReduction="10000"/>
+            <a:normAutofit lnSpcReduction="10000"/>
           </a:bodyPr>
           <a:lstStyle/>
           <a:p>
@@ -8264,19 +8264,16 @@
             </a:pPr>
             <a:r>
               <a:rPr lang="en-US" dirty="0">
-                <a:latin typeface="Avenir Book" panose="02000503020000020003" pitchFamily="2" charset="0"/>
+                <a:latin typeface="Avenir"/>
               </a:rPr>
               <a:t>A global variable called </a:t>
             </a:r>
             <a:r>
-              <a:rPr lang="en-US" dirty="0" err="1">
+              <a:rPr lang="en-US" dirty="0">
                 <a:latin typeface="Source Code Pro" panose="020B0509030403020204" pitchFamily="49" charset="77"/>
               </a:rPr>
-              <a:t>tax_rate</a:t>
-            </a:r>
-            <a:endParaRPr lang="en-US" dirty="0">
-              <a:latin typeface="Source Code Pro" panose="020B0509030403020204" pitchFamily="49" charset="77"/>
-            </a:endParaRPr>
+              <a:t>TAX_RATE</a:t>
+            </a:r>
           </a:p>
           <a:p>
             <a:pPr marL="571500" indent="-571500">
@@ -8285,9 +8282,15 @@
             </a:pPr>
             <a:r>
               <a:rPr lang="en-US" dirty="0">
+                <a:latin typeface="Avenir"/>
+              </a:rPr>
+              <a:t>Hard code the tax value for every instance of use</a:t>
+            </a:r>
+            <a:r>
+              <a:rPr lang="en-US" dirty="0">
                 <a:latin typeface="Avenir Book" panose="02000503020000020003" pitchFamily="2" charset="0"/>
               </a:rPr>
-              <a:t>Hard code the tax value for every instance of use.</a:t>
+              <a:t>.</a:t>
             </a:r>
           </a:p>
           <a:p>
@@ -8297,7 +8300,7 @@
             </a:pPr>
             <a:r>
               <a:rPr lang="en-US" dirty="0">
-                <a:latin typeface="Avenir Book" panose="02000503020000020003" pitchFamily="2" charset="0"/>
+                <a:latin typeface="Avenir"/>
               </a:rPr>
               <a:t>Implement some function called </a:t>
             </a:r>
@@ -8305,7 +8308,7 @@
               <a:rPr lang="en-US" dirty="0" err="1">
                 <a:latin typeface="Source Code Pro" panose="020B0509030403020204" pitchFamily="49" charset="77"/>
               </a:rPr>
-              <a:t>calculateTax</a:t>
+              <a:t>taxedPrice</a:t>
             </a:r>
             <a:r>
               <a:rPr lang="en-US" dirty="0">
@@ -8317,7 +8320,13 @@
               <a:rPr lang="en-US" dirty="0">
                 <a:latin typeface="Avenir Book" panose="02000503020000020003" pitchFamily="2" charset="0"/>
               </a:rPr>
-              <a:t> which calculates tax</a:t>
+              <a:t> </a:t>
+            </a:r>
+            <a:r>
+              <a:rPr lang="en-US" dirty="0">
+                <a:latin typeface="Avenir"/>
+              </a:rPr>
+              <a:t>which calculates tax</a:t>
             </a:r>
           </a:p>
         </p:txBody>

--- a/PPTs/Fundamental Concpets of OOP.pptx
+++ b/PPTs/Fundamental Concpets of OOP.pptx
@@ -5,7 +5,7 @@
     <p:sldMasterId id="2147483660" r:id="rId1"/>
   </p:sldMasterIdLst>
   <p:notesMasterIdLst>
-    <p:notesMasterId r:id="rId30"/>
+    <p:notesMasterId r:id="rId36"/>
   </p:notesMasterIdLst>
   <p:sldIdLst>
     <p:sldId id="256" r:id="rId2"/>
@@ -16,26 +16,32 @@
     <p:sldId id="263" r:id="rId7"/>
     <p:sldId id="261" r:id="rId8"/>
     <p:sldId id="262" r:id="rId9"/>
-    <p:sldId id="284" r:id="rId10"/>
-    <p:sldId id="265" r:id="rId11"/>
-    <p:sldId id="264" r:id="rId12"/>
-    <p:sldId id="266" r:id="rId13"/>
-    <p:sldId id="267" r:id="rId14"/>
-    <p:sldId id="269" r:id="rId15"/>
-    <p:sldId id="270" r:id="rId16"/>
-    <p:sldId id="271" r:id="rId17"/>
-    <p:sldId id="272" r:id="rId18"/>
-    <p:sldId id="268" r:id="rId19"/>
-    <p:sldId id="273" r:id="rId20"/>
-    <p:sldId id="274" r:id="rId21"/>
-    <p:sldId id="275" r:id="rId22"/>
-    <p:sldId id="276" r:id="rId23"/>
-    <p:sldId id="277" r:id="rId24"/>
-    <p:sldId id="278" r:id="rId25"/>
-    <p:sldId id="279" r:id="rId26"/>
-    <p:sldId id="280" r:id="rId27"/>
-    <p:sldId id="281" r:id="rId28"/>
-    <p:sldId id="283" r:id="rId29"/>
+    <p:sldId id="285" r:id="rId10"/>
+    <p:sldId id="284" r:id="rId11"/>
+    <p:sldId id="286" r:id="rId12"/>
+    <p:sldId id="287" r:id="rId13"/>
+    <p:sldId id="288" r:id="rId14"/>
+    <p:sldId id="289" r:id="rId15"/>
+    <p:sldId id="290" r:id="rId16"/>
+    <p:sldId id="265" r:id="rId17"/>
+    <p:sldId id="264" r:id="rId18"/>
+    <p:sldId id="266" r:id="rId19"/>
+    <p:sldId id="267" r:id="rId20"/>
+    <p:sldId id="269" r:id="rId21"/>
+    <p:sldId id="270" r:id="rId22"/>
+    <p:sldId id="271" r:id="rId23"/>
+    <p:sldId id="272" r:id="rId24"/>
+    <p:sldId id="268" r:id="rId25"/>
+    <p:sldId id="273" r:id="rId26"/>
+    <p:sldId id="274" r:id="rId27"/>
+    <p:sldId id="275" r:id="rId28"/>
+    <p:sldId id="276" r:id="rId29"/>
+    <p:sldId id="277" r:id="rId30"/>
+    <p:sldId id="278" r:id="rId31"/>
+    <p:sldId id="279" r:id="rId32"/>
+    <p:sldId id="280" r:id="rId33"/>
+    <p:sldId id="281" r:id="rId34"/>
+    <p:sldId id="283" r:id="rId35"/>
   </p:sldIdLst>
   <p:sldSz cx="12192000" cy="6858000"/>
   <p:notesSz cx="6858000" cy="9144000"/>
@@ -224,7 +230,7 @@
           <a:p>
             <a:fld id="{1DF99A51-C300-C44B-BB93-496A2A9090A1}" type="datetimeFigureOut">
               <a:rPr lang="en-US" smtClean="0"/>
-              <a:t>9/26/2024</a:t>
+              <a:t>9/27/2024</a:t>
             </a:fld>
             <a:endParaRPr lang="en-US"/>
           </a:p>
@@ -668,7 +674,567 @@
           <a:p>
             <a:fld id="{23C1D02B-49A3-BF44-B676-E268AD5AA890}" type="slidenum">
               <a:rPr lang="en-US" smtClean="0"/>
+              <a:t>18</a:t>
+            </a:fld>
+            <a:endParaRPr lang="en-US"/>
+          </a:p>
+        </p:txBody>
+      </p:sp>
+    </p:spTree>
+    <p:extLst>
+      <p:ext uri="{BB962C8B-B14F-4D97-AF65-F5344CB8AC3E}">
+        <p14:creationId xmlns:p14="http://schemas.microsoft.com/office/powerpoint/2010/main" val="3694722527"/>
+      </p:ext>
+    </p:extLst>
+  </p:cSld>
+  <p:clrMapOvr>
+    <a:masterClrMapping/>
+  </p:clrMapOvr>
+</p:notes>
+</file>
+
+<file path=ppt/notesSlides/notesSlide11.xml><?xml version="1.0" encoding="utf-8"?>
+<p:notes xmlns:a="http://schemas.openxmlformats.org/drawingml/2006/main" xmlns:r="http://schemas.openxmlformats.org/officeDocument/2006/relationships" xmlns:p="http://schemas.openxmlformats.org/presentationml/2006/main">
+  <p:cSld>
+    <p:spTree>
+      <p:nvGrpSpPr>
+        <p:cNvPr id="1" name=""/>
+        <p:cNvGrpSpPr/>
+        <p:nvPr/>
+      </p:nvGrpSpPr>
+      <p:grpSpPr>
+        <a:xfrm>
+          <a:off x="0" y="0"/>
+          <a:ext cx="0" cy="0"/>
+          <a:chOff x="0" y="0"/>
+          <a:chExt cx="0" cy="0"/>
+        </a:xfrm>
+      </p:grpSpPr>
+      <p:sp>
+        <p:nvSpPr>
+          <p:cNvPr id="2" name="Slide Image Placeholder 1"/>
+          <p:cNvSpPr>
+            <a:spLocks noGrp="1" noRot="1" noChangeAspect="1"/>
+          </p:cNvSpPr>
+          <p:nvPr>
+            <p:ph type="sldImg"/>
+          </p:nvPr>
+        </p:nvSpPr>
+        <p:spPr/>
+      </p:sp>
+      <p:sp>
+        <p:nvSpPr>
+          <p:cNvPr id="3" name="Notes Placeholder 2"/>
+          <p:cNvSpPr>
+            <a:spLocks noGrp="1"/>
+          </p:cNvSpPr>
+          <p:nvPr>
+            <p:ph type="body" idx="1"/>
+          </p:nvPr>
+        </p:nvSpPr>
+        <p:spPr/>
+        <p:txBody>
+          <a:bodyPr/>
+          <a:lstStyle/>
+          <a:p>
+            <a:pPr marL="0" marR="0" lvl="0" indent="0" algn="l" defTabSz="914400" rtl="0" eaLnBrk="1" fontAlgn="auto" latinLnBrk="0" hangingPunct="1">
+              <a:lnSpc>
+                <a:spcPct val="100000"/>
+              </a:lnSpc>
+              <a:spcBef>
+                <a:spcPts val="0"/>
+              </a:spcBef>
+              <a:spcAft>
+                <a:spcPts val="0"/>
+              </a:spcAft>
+              <a:buClrTx/>
+              <a:buSzTx/>
+              <a:buFontTx/>
+              <a:buNone/>
+              <a:tabLst/>
+              <a:defRPr/>
+            </a:pPr>
+            <a:endParaRPr lang="en-PH" sz="1200" kern="1200" dirty="0">
+              <a:solidFill>
+                <a:schemeClr val="tx1"/>
+              </a:solidFill>
+              <a:effectLst/>
+              <a:latin typeface="+mn-lt"/>
+              <a:ea typeface="+mn-ea"/>
+              <a:cs typeface="+mn-cs"/>
+            </a:endParaRPr>
+          </a:p>
+          <a:p>
+            <a:endParaRPr lang="en-US" dirty="0"/>
+          </a:p>
+        </p:txBody>
+      </p:sp>
+      <p:sp>
+        <p:nvSpPr>
+          <p:cNvPr id="4" name="Slide Number Placeholder 3"/>
+          <p:cNvSpPr>
+            <a:spLocks noGrp="1"/>
+          </p:cNvSpPr>
+          <p:nvPr>
+            <p:ph type="sldNum" sz="quarter" idx="5"/>
+          </p:nvPr>
+        </p:nvSpPr>
+        <p:spPr/>
+        <p:txBody>
+          <a:bodyPr/>
+          <a:lstStyle/>
+          <a:p>
+            <a:fld id="{23C1D02B-49A3-BF44-B676-E268AD5AA890}" type="slidenum">
+              <a:rPr lang="en-US" smtClean="0"/>
               <a:t>20</a:t>
+            </a:fld>
+            <a:endParaRPr lang="en-US"/>
+          </a:p>
+        </p:txBody>
+      </p:sp>
+    </p:spTree>
+    <p:extLst>
+      <p:ext uri="{BB962C8B-B14F-4D97-AF65-F5344CB8AC3E}">
+        <p14:creationId xmlns:p14="http://schemas.microsoft.com/office/powerpoint/2010/main" val="76555660"/>
+      </p:ext>
+    </p:extLst>
+  </p:cSld>
+  <p:clrMapOvr>
+    <a:masterClrMapping/>
+  </p:clrMapOvr>
+</p:notes>
+</file>
+
+<file path=ppt/notesSlides/notesSlide12.xml><?xml version="1.0" encoding="utf-8"?>
+<p:notes xmlns:a="http://schemas.openxmlformats.org/drawingml/2006/main" xmlns:r="http://schemas.openxmlformats.org/officeDocument/2006/relationships" xmlns:p="http://schemas.openxmlformats.org/presentationml/2006/main">
+  <p:cSld>
+    <p:spTree>
+      <p:nvGrpSpPr>
+        <p:cNvPr id="1" name=""/>
+        <p:cNvGrpSpPr/>
+        <p:nvPr/>
+      </p:nvGrpSpPr>
+      <p:grpSpPr>
+        <a:xfrm>
+          <a:off x="0" y="0"/>
+          <a:ext cx="0" cy="0"/>
+          <a:chOff x="0" y="0"/>
+          <a:chExt cx="0" cy="0"/>
+        </a:xfrm>
+      </p:grpSpPr>
+      <p:sp>
+        <p:nvSpPr>
+          <p:cNvPr id="2" name="Slide Image Placeholder 1"/>
+          <p:cNvSpPr>
+            <a:spLocks noGrp="1" noRot="1" noChangeAspect="1"/>
+          </p:cNvSpPr>
+          <p:nvPr>
+            <p:ph type="sldImg"/>
+          </p:nvPr>
+        </p:nvSpPr>
+        <p:spPr/>
+      </p:sp>
+      <p:sp>
+        <p:nvSpPr>
+          <p:cNvPr id="3" name="Notes Placeholder 2"/>
+          <p:cNvSpPr>
+            <a:spLocks noGrp="1"/>
+          </p:cNvSpPr>
+          <p:nvPr>
+            <p:ph type="body" idx="1"/>
+          </p:nvPr>
+        </p:nvSpPr>
+        <p:spPr/>
+        <p:txBody>
+          <a:bodyPr/>
+          <a:lstStyle/>
+          <a:p>
+            <a:pPr marL="0" marR="0" lvl="0" indent="0" algn="l" defTabSz="914400" rtl="0" eaLnBrk="1" fontAlgn="auto" latinLnBrk="0" hangingPunct="1">
+              <a:lnSpc>
+                <a:spcPct val="100000"/>
+              </a:lnSpc>
+              <a:spcBef>
+                <a:spcPts val="0"/>
+              </a:spcBef>
+              <a:spcAft>
+                <a:spcPts val="0"/>
+              </a:spcAft>
+              <a:buClrTx/>
+              <a:buSzTx/>
+              <a:buFontTx/>
+              <a:buNone/>
+              <a:tabLst/>
+              <a:defRPr/>
+            </a:pPr>
+            <a:endParaRPr lang="en-PH" sz="1200" kern="1200" dirty="0">
+              <a:solidFill>
+                <a:schemeClr val="tx1"/>
+              </a:solidFill>
+              <a:effectLst/>
+              <a:latin typeface="+mn-lt"/>
+              <a:ea typeface="+mn-ea"/>
+              <a:cs typeface="+mn-cs"/>
+            </a:endParaRPr>
+          </a:p>
+          <a:p>
+            <a:endParaRPr lang="en-US" dirty="0"/>
+          </a:p>
+        </p:txBody>
+      </p:sp>
+      <p:sp>
+        <p:nvSpPr>
+          <p:cNvPr id="4" name="Slide Number Placeholder 3"/>
+          <p:cNvSpPr>
+            <a:spLocks noGrp="1"/>
+          </p:cNvSpPr>
+          <p:nvPr>
+            <p:ph type="sldNum" sz="quarter" idx="5"/>
+          </p:nvPr>
+        </p:nvSpPr>
+        <p:spPr/>
+        <p:txBody>
+          <a:bodyPr/>
+          <a:lstStyle/>
+          <a:p>
+            <a:fld id="{23C1D02B-49A3-BF44-B676-E268AD5AA890}" type="slidenum">
+              <a:rPr lang="en-US" smtClean="0"/>
+              <a:t>21</a:t>
+            </a:fld>
+            <a:endParaRPr lang="en-US"/>
+          </a:p>
+        </p:txBody>
+      </p:sp>
+    </p:spTree>
+    <p:extLst>
+      <p:ext uri="{BB962C8B-B14F-4D97-AF65-F5344CB8AC3E}">
+        <p14:creationId xmlns:p14="http://schemas.microsoft.com/office/powerpoint/2010/main" val="2480022830"/>
+      </p:ext>
+    </p:extLst>
+  </p:cSld>
+  <p:clrMapOvr>
+    <a:masterClrMapping/>
+  </p:clrMapOvr>
+</p:notes>
+</file>
+
+<file path=ppt/notesSlides/notesSlide13.xml><?xml version="1.0" encoding="utf-8"?>
+<p:notes xmlns:a="http://schemas.openxmlformats.org/drawingml/2006/main" xmlns:r="http://schemas.openxmlformats.org/officeDocument/2006/relationships" xmlns:p="http://schemas.openxmlformats.org/presentationml/2006/main">
+  <p:cSld>
+    <p:spTree>
+      <p:nvGrpSpPr>
+        <p:cNvPr id="1" name=""/>
+        <p:cNvGrpSpPr/>
+        <p:nvPr/>
+      </p:nvGrpSpPr>
+      <p:grpSpPr>
+        <a:xfrm>
+          <a:off x="0" y="0"/>
+          <a:ext cx="0" cy="0"/>
+          <a:chOff x="0" y="0"/>
+          <a:chExt cx="0" cy="0"/>
+        </a:xfrm>
+      </p:grpSpPr>
+      <p:sp>
+        <p:nvSpPr>
+          <p:cNvPr id="2" name="Slide Image Placeholder 1"/>
+          <p:cNvSpPr>
+            <a:spLocks noGrp="1" noRot="1" noChangeAspect="1"/>
+          </p:cNvSpPr>
+          <p:nvPr>
+            <p:ph type="sldImg"/>
+          </p:nvPr>
+        </p:nvSpPr>
+        <p:spPr/>
+      </p:sp>
+      <p:sp>
+        <p:nvSpPr>
+          <p:cNvPr id="3" name="Notes Placeholder 2"/>
+          <p:cNvSpPr>
+            <a:spLocks noGrp="1"/>
+          </p:cNvSpPr>
+          <p:nvPr>
+            <p:ph type="body" idx="1"/>
+          </p:nvPr>
+        </p:nvSpPr>
+        <p:spPr/>
+        <p:txBody>
+          <a:bodyPr/>
+          <a:lstStyle/>
+          <a:p>
+            <a:pPr marL="0" marR="0" lvl="0" indent="0" algn="l" defTabSz="914400" rtl="0" eaLnBrk="1" fontAlgn="auto" latinLnBrk="0" hangingPunct="1">
+              <a:lnSpc>
+                <a:spcPct val="100000"/>
+              </a:lnSpc>
+              <a:spcBef>
+                <a:spcPts val="0"/>
+              </a:spcBef>
+              <a:spcAft>
+                <a:spcPts val="0"/>
+              </a:spcAft>
+              <a:buClrTx/>
+              <a:buSzTx/>
+              <a:buFontTx/>
+              <a:buNone/>
+              <a:tabLst/>
+              <a:defRPr/>
+            </a:pPr>
+            <a:endParaRPr lang="en-PH" sz="1200" kern="1200" dirty="0">
+              <a:solidFill>
+                <a:schemeClr val="tx1"/>
+              </a:solidFill>
+              <a:effectLst/>
+              <a:latin typeface="+mn-lt"/>
+              <a:ea typeface="+mn-ea"/>
+              <a:cs typeface="+mn-cs"/>
+            </a:endParaRPr>
+          </a:p>
+          <a:p>
+            <a:endParaRPr lang="en-US" dirty="0"/>
+          </a:p>
+        </p:txBody>
+      </p:sp>
+      <p:sp>
+        <p:nvSpPr>
+          <p:cNvPr id="4" name="Slide Number Placeholder 3"/>
+          <p:cNvSpPr>
+            <a:spLocks noGrp="1"/>
+          </p:cNvSpPr>
+          <p:nvPr>
+            <p:ph type="sldNum" sz="quarter" idx="5"/>
+          </p:nvPr>
+        </p:nvSpPr>
+        <p:spPr/>
+        <p:txBody>
+          <a:bodyPr/>
+          <a:lstStyle/>
+          <a:p>
+            <a:fld id="{23C1D02B-49A3-BF44-B676-E268AD5AA890}" type="slidenum">
+              <a:rPr lang="en-US" smtClean="0"/>
+              <a:t>22</a:t>
+            </a:fld>
+            <a:endParaRPr lang="en-US"/>
+          </a:p>
+        </p:txBody>
+      </p:sp>
+    </p:spTree>
+    <p:extLst>
+      <p:ext uri="{BB962C8B-B14F-4D97-AF65-F5344CB8AC3E}">
+        <p14:creationId xmlns:p14="http://schemas.microsoft.com/office/powerpoint/2010/main" val="2237239565"/>
+      </p:ext>
+    </p:extLst>
+  </p:cSld>
+  <p:clrMapOvr>
+    <a:masterClrMapping/>
+  </p:clrMapOvr>
+</p:notes>
+</file>
+
+<file path=ppt/notesSlides/notesSlide14.xml><?xml version="1.0" encoding="utf-8"?>
+<p:notes xmlns:a="http://schemas.openxmlformats.org/drawingml/2006/main" xmlns:r="http://schemas.openxmlformats.org/officeDocument/2006/relationships" xmlns:p="http://schemas.openxmlformats.org/presentationml/2006/main">
+  <p:cSld>
+    <p:spTree>
+      <p:nvGrpSpPr>
+        <p:cNvPr id="1" name=""/>
+        <p:cNvGrpSpPr/>
+        <p:nvPr/>
+      </p:nvGrpSpPr>
+      <p:grpSpPr>
+        <a:xfrm>
+          <a:off x="0" y="0"/>
+          <a:ext cx="0" cy="0"/>
+          <a:chOff x="0" y="0"/>
+          <a:chExt cx="0" cy="0"/>
+        </a:xfrm>
+      </p:grpSpPr>
+      <p:sp>
+        <p:nvSpPr>
+          <p:cNvPr id="2" name="Slide Image Placeholder 1"/>
+          <p:cNvSpPr>
+            <a:spLocks noGrp="1" noRot="1" noChangeAspect="1"/>
+          </p:cNvSpPr>
+          <p:nvPr>
+            <p:ph type="sldImg"/>
+          </p:nvPr>
+        </p:nvSpPr>
+        <p:spPr/>
+      </p:sp>
+      <p:sp>
+        <p:nvSpPr>
+          <p:cNvPr id="3" name="Notes Placeholder 2"/>
+          <p:cNvSpPr>
+            <a:spLocks noGrp="1"/>
+          </p:cNvSpPr>
+          <p:nvPr>
+            <p:ph type="body" idx="1"/>
+          </p:nvPr>
+        </p:nvSpPr>
+        <p:spPr/>
+        <p:txBody>
+          <a:bodyPr/>
+          <a:lstStyle/>
+          <a:p>
+            <a:pPr marL="0" marR="0" lvl="0" indent="0" algn="l" defTabSz="914400" rtl="0" eaLnBrk="1" fontAlgn="auto" latinLnBrk="0" hangingPunct="1">
+              <a:lnSpc>
+                <a:spcPct val="100000"/>
+              </a:lnSpc>
+              <a:spcBef>
+                <a:spcPts val="0"/>
+              </a:spcBef>
+              <a:spcAft>
+                <a:spcPts val="0"/>
+              </a:spcAft>
+              <a:buClrTx/>
+              <a:buSzTx/>
+              <a:buFontTx/>
+              <a:buNone/>
+              <a:tabLst/>
+              <a:defRPr/>
+            </a:pPr>
+            <a:endParaRPr lang="en-PH" sz="1200" kern="1200" dirty="0">
+              <a:solidFill>
+                <a:schemeClr val="tx1"/>
+              </a:solidFill>
+              <a:effectLst/>
+              <a:latin typeface="+mn-lt"/>
+              <a:ea typeface="+mn-ea"/>
+              <a:cs typeface="+mn-cs"/>
+            </a:endParaRPr>
+          </a:p>
+          <a:p>
+            <a:endParaRPr lang="en-US" dirty="0"/>
+          </a:p>
+        </p:txBody>
+      </p:sp>
+      <p:sp>
+        <p:nvSpPr>
+          <p:cNvPr id="4" name="Slide Number Placeholder 3"/>
+          <p:cNvSpPr>
+            <a:spLocks noGrp="1"/>
+          </p:cNvSpPr>
+          <p:nvPr>
+            <p:ph type="sldNum" sz="quarter" idx="5"/>
+          </p:nvPr>
+        </p:nvSpPr>
+        <p:spPr/>
+        <p:txBody>
+          <a:bodyPr/>
+          <a:lstStyle/>
+          <a:p>
+            <a:fld id="{23C1D02B-49A3-BF44-B676-E268AD5AA890}" type="slidenum">
+              <a:rPr lang="en-US" smtClean="0"/>
+              <a:t>23</a:t>
+            </a:fld>
+            <a:endParaRPr lang="en-US"/>
+          </a:p>
+        </p:txBody>
+      </p:sp>
+    </p:spTree>
+    <p:extLst>
+      <p:ext uri="{BB962C8B-B14F-4D97-AF65-F5344CB8AC3E}">
+        <p14:creationId xmlns:p14="http://schemas.microsoft.com/office/powerpoint/2010/main" val="1463630481"/>
+      </p:ext>
+    </p:extLst>
+  </p:cSld>
+  <p:clrMapOvr>
+    <a:masterClrMapping/>
+  </p:clrMapOvr>
+</p:notes>
+</file>
+
+<file path=ppt/notesSlides/notesSlide15.xml><?xml version="1.0" encoding="utf-8"?>
+<p:notes xmlns:a="http://schemas.openxmlformats.org/drawingml/2006/main" xmlns:r="http://schemas.openxmlformats.org/officeDocument/2006/relationships" xmlns:p="http://schemas.openxmlformats.org/presentationml/2006/main">
+  <p:cSld>
+    <p:spTree>
+      <p:nvGrpSpPr>
+        <p:cNvPr id="1" name=""/>
+        <p:cNvGrpSpPr/>
+        <p:nvPr/>
+      </p:nvGrpSpPr>
+      <p:grpSpPr>
+        <a:xfrm>
+          <a:off x="0" y="0"/>
+          <a:ext cx="0" cy="0"/>
+          <a:chOff x="0" y="0"/>
+          <a:chExt cx="0" cy="0"/>
+        </a:xfrm>
+      </p:grpSpPr>
+      <p:sp>
+        <p:nvSpPr>
+          <p:cNvPr id="2" name="Slide Image Placeholder 1"/>
+          <p:cNvSpPr>
+            <a:spLocks noGrp="1" noRot="1" noChangeAspect="1"/>
+          </p:cNvSpPr>
+          <p:nvPr>
+            <p:ph type="sldImg"/>
+          </p:nvPr>
+        </p:nvSpPr>
+        <p:spPr/>
+      </p:sp>
+      <p:sp>
+        <p:nvSpPr>
+          <p:cNvPr id="3" name="Notes Placeholder 2"/>
+          <p:cNvSpPr>
+            <a:spLocks noGrp="1"/>
+          </p:cNvSpPr>
+          <p:nvPr>
+            <p:ph type="body" idx="1"/>
+          </p:nvPr>
+        </p:nvSpPr>
+        <p:spPr/>
+        <p:txBody>
+          <a:bodyPr/>
+          <a:lstStyle/>
+          <a:p>
+            <a:pPr marL="0" marR="0" lvl="0" indent="0" algn="l" defTabSz="914400" rtl="0" eaLnBrk="1" fontAlgn="auto" latinLnBrk="0" hangingPunct="1">
+              <a:lnSpc>
+                <a:spcPct val="100000"/>
+              </a:lnSpc>
+              <a:spcBef>
+                <a:spcPts val="0"/>
+              </a:spcBef>
+              <a:spcAft>
+                <a:spcPts val="0"/>
+              </a:spcAft>
+              <a:buClrTx/>
+              <a:buSzTx/>
+              <a:buFontTx/>
+              <a:buNone/>
+              <a:tabLst/>
+              <a:defRPr/>
+            </a:pPr>
+            <a:endParaRPr lang="en-PH" sz="1200" kern="1200" dirty="0">
+              <a:solidFill>
+                <a:schemeClr val="tx1"/>
+              </a:solidFill>
+              <a:effectLst/>
+              <a:latin typeface="+mn-lt"/>
+              <a:ea typeface="+mn-ea"/>
+              <a:cs typeface="+mn-cs"/>
+            </a:endParaRPr>
+          </a:p>
+          <a:p>
+            <a:endParaRPr lang="en-US" dirty="0"/>
+          </a:p>
+        </p:txBody>
+      </p:sp>
+      <p:sp>
+        <p:nvSpPr>
+          <p:cNvPr id="4" name="Slide Number Placeholder 3"/>
+          <p:cNvSpPr>
+            <a:spLocks noGrp="1"/>
+          </p:cNvSpPr>
+          <p:nvPr>
+            <p:ph type="sldNum" sz="quarter" idx="5"/>
+          </p:nvPr>
+        </p:nvSpPr>
+        <p:spPr/>
+        <p:txBody>
+          <a:bodyPr/>
+          <a:lstStyle/>
+          <a:p>
+            <a:fld id="{23C1D02B-49A3-BF44-B676-E268AD5AA890}" type="slidenum">
+              <a:rPr lang="en-US" smtClean="0"/>
+              <a:t>26</a:t>
             </a:fld>
             <a:endParaRPr lang="en-US"/>
           </a:p>
@@ -916,7 +1482,7 @@
           <a:p>
             <a:fld id="{23C1D02B-49A3-BF44-B676-E268AD5AA890}" type="slidenum">
               <a:rPr lang="en-US" smtClean="0"/>
-              <a:t>9</a:t>
+              <a:t>10</a:t>
             </a:fld>
             <a:endParaRPr lang="en-US"/>
           </a:p>
@@ -996,6 +1562,18 @@
               <a:tabLst/>
               <a:defRPr/>
             </a:pPr>
+            <a:r>
+              <a:rPr lang="en-US" sz="1200" kern="1200" dirty="0">
+                <a:solidFill>
+                  <a:schemeClr val="tx1"/>
+                </a:solidFill>
+                <a:effectLst/>
+                <a:latin typeface="+mn-lt"/>
+                <a:ea typeface="+mn-ea"/>
+                <a:cs typeface="+mn-cs"/>
+              </a:rPr>
+              <a:t>This means that a method that describes the behavior of a certain class should belong to that class.</a:t>
+            </a:r>
             <a:endParaRPr lang="en-PH" sz="1200" kern="1200" dirty="0">
               <a:solidFill>
                 <a:schemeClr val="tx1"/>
@@ -1037,7 +1615,7 @@
     </p:spTree>
     <p:extLst>
       <p:ext uri="{BB962C8B-B14F-4D97-AF65-F5344CB8AC3E}">
-        <p14:creationId xmlns:p14="http://schemas.microsoft.com/office/powerpoint/2010/main" val="3803003300"/>
+        <p14:creationId xmlns:p14="http://schemas.microsoft.com/office/powerpoint/2010/main" val="413123790"/>
       </p:ext>
     </p:extLst>
   </p:cSld>
@@ -1108,6 +1686,18 @@
               <a:tabLst/>
               <a:defRPr/>
             </a:pPr>
+            <a:r>
+              <a:rPr lang="en-US" sz="1200" kern="1200" dirty="0">
+                <a:solidFill>
+                  <a:schemeClr val="tx1"/>
+                </a:solidFill>
+                <a:effectLst/>
+                <a:latin typeface="+mn-lt"/>
+                <a:ea typeface="+mn-ea"/>
+                <a:cs typeface="+mn-cs"/>
+              </a:rPr>
+              <a:t>This means that a method that describes the behavior of a certain class should belong to that class.</a:t>
+            </a:r>
             <a:endParaRPr lang="en-PH" sz="1200" kern="1200" dirty="0">
               <a:solidFill>
                 <a:schemeClr val="tx1"/>
@@ -1149,7 +1739,7 @@
     </p:spTree>
     <p:extLst>
       <p:ext uri="{BB962C8B-B14F-4D97-AF65-F5344CB8AC3E}">
-        <p14:creationId xmlns:p14="http://schemas.microsoft.com/office/powerpoint/2010/main" val="3694722527"/>
+        <p14:creationId xmlns:p14="http://schemas.microsoft.com/office/powerpoint/2010/main" val="1435900611"/>
       </p:ext>
     </p:extLst>
   </p:cSld>
@@ -1220,6 +1810,18 @@
               <a:tabLst/>
               <a:defRPr/>
             </a:pPr>
+            <a:r>
+              <a:rPr lang="en-US" sz="1200" kern="1200" dirty="0">
+                <a:solidFill>
+                  <a:schemeClr val="tx1"/>
+                </a:solidFill>
+                <a:effectLst/>
+                <a:latin typeface="+mn-lt"/>
+                <a:ea typeface="+mn-ea"/>
+                <a:cs typeface="+mn-cs"/>
+              </a:rPr>
+              <a:t>This means that a method that describes the behavior of a certain class should belong to that class.</a:t>
+            </a:r>
             <a:endParaRPr lang="en-PH" sz="1200" kern="1200" dirty="0">
               <a:solidFill>
                 <a:schemeClr val="tx1"/>
@@ -1252,7 +1854,7 @@
           <a:p>
             <a:fld id="{23C1D02B-49A3-BF44-B676-E268AD5AA890}" type="slidenum">
               <a:rPr lang="en-US" smtClean="0"/>
-              <a:t>14</a:t>
+              <a:t>13</a:t>
             </a:fld>
             <a:endParaRPr lang="en-US"/>
           </a:p>
@@ -1261,7 +1863,7 @@
     </p:spTree>
     <p:extLst>
       <p:ext uri="{BB962C8B-B14F-4D97-AF65-F5344CB8AC3E}">
-        <p14:creationId xmlns:p14="http://schemas.microsoft.com/office/powerpoint/2010/main" val="76555660"/>
+        <p14:creationId xmlns:p14="http://schemas.microsoft.com/office/powerpoint/2010/main" val="2886141528"/>
       </p:ext>
     </p:extLst>
   </p:cSld>
@@ -1332,6 +1934,18 @@
               <a:tabLst/>
               <a:defRPr/>
             </a:pPr>
+            <a:r>
+              <a:rPr lang="en-US" sz="1200" kern="1200" dirty="0">
+                <a:solidFill>
+                  <a:schemeClr val="tx1"/>
+                </a:solidFill>
+                <a:effectLst/>
+                <a:latin typeface="+mn-lt"/>
+                <a:ea typeface="+mn-ea"/>
+                <a:cs typeface="+mn-cs"/>
+              </a:rPr>
+              <a:t>This means that a method that describes the behavior of a certain class should belong to that class.</a:t>
+            </a:r>
             <a:endParaRPr lang="en-PH" sz="1200" kern="1200" dirty="0">
               <a:solidFill>
                 <a:schemeClr val="tx1"/>
@@ -1364,7 +1978,7 @@
           <a:p>
             <a:fld id="{23C1D02B-49A3-BF44-B676-E268AD5AA890}" type="slidenum">
               <a:rPr lang="en-US" smtClean="0"/>
-              <a:t>15</a:t>
+              <a:t>14</a:t>
             </a:fld>
             <a:endParaRPr lang="en-US"/>
           </a:p>
@@ -1373,7 +1987,7 @@
     </p:spTree>
     <p:extLst>
       <p:ext uri="{BB962C8B-B14F-4D97-AF65-F5344CB8AC3E}">
-        <p14:creationId xmlns:p14="http://schemas.microsoft.com/office/powerpoint/2010/main" val="2480022830"/>
+        <p14:creationId xmlns:p14="http://schemas.microsoft.com/office/powerpoint/2010/main" val="2062960931"/>
       </p:ext>
     </p:extLst>
   </p:cSld>
@@ -1444,6 +2058,18 @@
               <a:tabLst/>
               <a:defRPr/>
             </a:pPr>
+            <a:r>
+              <a:rPr lang="en-US" sz="1200" kern="1200" dirty="0">
+                <a:solidFill>
+                  <a:schemeClr val="tx1"/>
+                </a:solidFill>
+                <a:effectLst/>
+                <a:latin typeface="+mn-lt"/>
+                <a:ea typeface="+mn-ea"/>
+                <a:cs typeface="+mn-cs"/>
+              </a:rPr>
+              <a:t>This means that a method that describes the behavior of a certain class should belong to that class.</a:t>
+            </a:r>
             <a:endParaRPr lang="en-PH" sz="1200" kern="1200" dirty="0">
               <a:solidFill>
                 <a:schemeClr val="tx1"/>
@@ -1476,7 +2102,7 @@
           <a:p>
             <a:fld id="{23C1D02B-49A3-BF44-B676-E268AD5AA890}" type="slidenum">
               <a:rPr lang="en-US" smtClean="0"/>
-              <a:t>16</a:t>
+              <a:t>15</a:t>
             </a:fld>
             <a:endParaRPr lang="en-US"/>
           </a:p>
@@ -1485,7 +2111,7 @@
     </p:spTree>
     <p:extLst>
       <p:ext uri="{BB962C8B-B14F-4D97-AF65-F5344CB8AC3E}">
-        <p14:creationId xmlns:p14="http://schemas.microsoft.com/office/powerpoint/2010/main" val="2237239565"/>
+        <p14:creationId xmlns:p14="http://schemas.microsoft.com/office/powerpoint/2010/main" val="2653152003"/>
       </p:ext>
     </p:extLst>
   </p:cSld>
@@ -1597,7 +2223,7 @@
     </p:spTree>
     <p:extLst>
       <p:ext uri="{BB962C8B-B14F-4D97-AF65-F5344CB8AC3E}">
-        <p14:creationId xmlns:p14="http://schemas.microsoft.com/office/powerpoint/2010/main" val="1463630481"/>
+        <p14:creationId xmlns:p14="http://schemas.microsoft.com/office/powerpoint/2010/main" val="3803003300"/>
       </p:ext>
     </p:extLst>
   </p:cSld>
@@ -1845,7 +2471,7 @@
           <a:p>
             <a:fld id="{67D990C7-1EC9-6340-94EA-7A01412E751D}" type="datetimeFigureOut">
               <a:rPr lang="en-US" smtClean="0"/>
-              <a:t>9/26/2024</a:t>
+              <a:t>9/27/2024</a:t>
             </a:fld>
             <a:endParaRPr lang="en-US"/>
           </a:p>
@@ -2236,7 +2862,7 @@
           <a:p>
             <a:fld id="{67D990C7-1EC9-6340-94EA-7A01412E751D}" type="datetimeFigureOut">
               <a:rPr lang="en-US" smtClean="0"/>
-              <a:t>9/26/2024</a:t>
+              <a:t>9/27/2024</a:t>
             </a:fld>
             <a:endParaRPr lang="en-US"/>
           </a:p>
@@ -2436,7 +3062,7 @@
           <a:p>
             <a:fld id="{67D990C7-1EC9-6340-94EA-7A01412E751D}" type="datetimeFigureOut">
               <a:rPr lang="en-US" smtClean="0"/>
-              <a:t>9/26/2024</a:t>
+              <a:t>9/27/2024</a:t>
             </a:fld>
             <a:endParaRPr lang="en-US"/>
           </a:p>
@@ -2646,7 +3272,7 @@
           <a:p>
             <a:fld id="{67D990C7-1EC9-6340-94EA-7A01412E751D}" type="datetimeFigureOut">
               <a:rPr lang="en-US" smtClean="0"/>
-              <a:t>9/26/2024</a:t>
+              <a:t>9/27/2024</a:t>
             </a:fld>
             <a:endParaRPr lang="en-US"/>
           </a:p>
@@ -2866,7 +3492,7 @@
           <a:p>
             <a:fld id="{67D990C7-1EC9-6340-94EA-7A01412E751D}" type="datetimeFigureOut">
               <a:rPr lang="en-US" smtClean="0"/>
-              <a:t>9/26/2024</a:t>
+              <a:t>9/27/2024</a:t>
             </a:fld>
             <a:endParaRPr lang="en-US"/>
           </a:p>
@@ -3331,7 +3957,7 @@
           <a:p>
             <a:fld id="{67D990C7-1EC9-6340-94EA-7A01412E751D}" type="datetimeFigureOut">
               <a:rPr lang="en-US" smtClean="0"/>
-              <a:t>9/26/2024</a:t>
+              <a:t>9/27/2024</a:t>
             </a:fld>
             <a:endParaRPr lang="en-US"/>
           </a:p>
@@ -3726,7 +4352,7 @@
           <a:p>
             <a:fld id="{67D990C7-1EC9-6340-94EA-7A01412E751D}" type="datetimeFigureOut">
               <a:rPr lang="en-US" smtClean="0"/>
-              <a:t>9/26/2024</a:t>
+              <a:t>9/27/2024</a:t>
             </a:fld>
             <a:endParaRPr lang="en-US"/>
           </a:p>
@@ -4062,7 +4688,7 @@
           <a:p>
             <a:fld id="{67D990C7-1EC9-6340-94EA-7A01412E751D}" type="datetimeFigureOut">
               <a:rPr lang="en-US" smtClean="0"/>
-              <a:t>9/26/2024</a:t>
+              <a:t>9/27/2024</a:t>
             </a:fld>
             <a:endParaRPr lang="en-US"/>
           </a:p>
@@ -4330,7 +4956,7 @@
           <a:p>
             <a:fld id="{67D990C7-1EC9-6340-94EA-7A01412E751D}" type="datetimeFigureOut">
               <a:rPr lang="en-US" smtClean="0"/>
-              <a:t>9/26/2024</a:t>
+              <a:t>9/27/2024</a:t>
             </a:fld>
             <a:endParaRPr lang="en-US"/>
           </a:p>
@@ -4745,7 +5371,7 @@
           <a:p>
             <a:fld id="{67D990C7-1EC9-6340-94EA-7A01412E751D}" type="datetimeFigureOut">
               <a:rPr lang="en-US" smtClean="0"/>
-              <a:t>9/26/2024</a:t>
+              <a:t>9/27/2024</a:t>
             </a:fld>
             <a:endParaRPr lang="en-US"/>
           </a:p>
@@ -4887,7 +5513,7 @@
           <a:p>
             <a:fld id="{67D990C7-1EC9-6340-94EA-7A01412E751D}" type="datetimeFigureOut">
               <a:rPr lang="en-US" smtClean="0"/>
-              <a:t>9/26/2024</a:t>
+              <a:t>9/27/2024</a:t>
             </a:fld>
             <a:endParaRPr lang="en-US"/>
           </a:p>
@@ -5000,7 +5626,7 @@
           <a:p>
             <a:fld id="{67D990C7-1EC9-6340-94EA-7A01412E751D}" type="datetimeFigureOut">
               <a:rPr lang="en-US" smtClean="0"/>
-              <a:t>9/26/2024</a:t>
+              <a:t>9/27/2024</a:t>
             </a:fld>
             <a:endParaRPr lang="en-US"/>
           </a:p>
@@ -5313,7 +5939,7 @@
           <a:p>
             <a:fld id="{67D990C7-1EC9-6340-94EA-7A01412E751D}" type="datetimeFigureOut">
               <a:rPr lang="en-US" smtClean="0"/>
-              <a:t>9/26/2024</a:t>
+              <a:t>9/27/2024</a:t>
             </a:fld>
             <a:endParaRPr lang="en-US"/>
           </a:p>
@@ -5559,7 +6185,7 @@
           <a:p>
             <a:fld id="{67D990C7-1EC9-6340-94EA-7A01412E751D}" type="datetimeFigureOut">
               <a:rPr lang="en-US" smtClean="0"/>
-              <a:t>9/26/2024</a:t>
+              <a:t>9/27/2024</a:t>
             </a:fld>
             <a:endParaRPr lang="en-US"/>
           </a:p>
@@ -6047,7 +6673,7 @@
           <p:cNvPr id="2" name="Title 1">
             <a:extLst>
               <a:ext uri="{FF2B5EF4-FFF2-40B4-BE49-F238E27FC236}">
-                <a16:creationId xmlns:a16="http://schemas.microsoft.com/office/drawing/2014/main" id="{24BA3AB6-81FF-C74A-A207-93B4BD27C42E}"/>
+                <a16:creationId xmlns:a16="http://schemas.microsoft.com/office/drawing/2014/main" id="{0A9032D7-3B28-994D-90C5-B36A69F93795}"/>
               </a:ext>
             </a:extLst>
           </p:cNvPr>
@@ -6060,103 +6686,84 @@
         </p:nvSpPr>
         <p:spPr/>
         <p:txBody>
-          <a:bodyPr/>
-          <a:lstStyle/>
-          <a:p>
-            <a:r>
-              <a:rPr lang="en-US" dirty="0"/>
-              <a:t>Inheritance</a:t>
-            </a:r>
-          </a:p>
-        </p:txBody>
-      </p:sp>
-      <p:sp>
-        <p:nvSpPr>
-          <p:cNvPr id="3" name="Content Placeholder 2">
-            <a:extLst>
-              <a:ext uri="{FF2B5EF4-FFF2-40B4-BE49-F238E27FC236}">
-                <a16:creationId xmlns:a16="http://schemas.microsoft.com/office/drawing/2014/main" id="{24D2C6C6-7D9A-7243-8217-24EF7FB21CC9}"/>
-              </a:ext>
-            </a:extLst>
-          </p:cNvPr>
-          <p:cNvSpPr>
-            <a:spLocks noGrp="1"/>
-          </p:cNvSpPr>
+          <a:bodyPr>
+            <a:normAutofit/>
+          </a:bodyPr>
+          <a:lstStyle/>
+          <a:p>
+            <a:r>
+              <a:rPr lang="en-US" sz="4000" dirty="0"/>
+              <a:t>Abstraction</a:t>
+            </a:r>
+          </a:p>
+        </p:txBody>
+      </p:sp>
+      <p:pic>
+        <p:nvPicPr>
+          <p:cNvPr id="7" name="Content Placeholder 6">
+            <a:extLst>
+              <a:ext uri="{FF2B5EF4-FFF2-40B4-BE49-F238E27FC236}">
+                <a16:creationId xmlns:a16="http://schemas.microsoft.com/office/drawing/2014/main" id="{BDDBC322-FEDD-2370-296D-FD78CBFB804A}"/>
+              </a:ext>
+            </a:extLst>
+          </p:cNvPr>
+          <p:cNvPicPr>
+            <a:picLocks noGrp="1" noChangeAspect="1"/>
+          </p:cNvPicPr>
           <p:nvPr>
             <p:ph idx="1"/>
           </p:nvPr>
-        </p:nvSpPr>
-        <p:spPr/>
-        <p:txBody>
-          <a:bodyPr/>
-          <a:lstStyle/>
-          <a:p>
-            <a:r>
-              <a:rPr lang="en-US" dirty="0"/>
-              <a:t>Inheritance is the concept in which the definition of a class is derived from another class. </a:t>
-            </a:r>
-          </a:p>
-          <a:p>
-            <a:r>
-              <a:rPr lang="en-US" dirty="0"/>
-              <a:t>An existing class, called the </a:t>
-            </a:r>
-            <a:r>
-              <a:rPr lang="en-US" b="1" dirty="0"/>
-              <a:t>super class</a:t>
-            </a:r>
-            <a:r>
-              <a:rPr lang="en-US" dirty="0"/>
-              <a:t> (also called the </a:t>
-            </a:r>
-            <a:r>
-              <a:rPr lang="en-US" b="1" dirty="0"/>
-              <a:t>base class</a:t>
-            </a:r>
-            <a:r>
-              <a:rPr lang="en-US" dirty="0"/>
-              <a:t> or the </a:t>
-            </a:r>
-            <a:r>
-              <a:rPr lang="en-US" b="1" dirty="0"/>
-              <a:t>parent class</a:t>
-            </a:r>
-            <a:r>
-              <a:rPr lang="en-US" dirty="0"/>
-              <a:t>) passes all visible attributes and methods to a </a:t>
-            </a:r>
-            <a:r>
-              <a:rPr lang="en-US" b="1" dirty="0"/>
-              <a:t>sub class</a:t>
-            </a:r>
-            <a:r>
-              <a:rPr lang="en-US" dirty="0"/>
-              <a:t> (also called the </a:t>
-            </a:r>
-            <a:r>
-              <a:rPr lang="en-US" b="1" dirty="0"/>
-              <a:t>derived class</a:t>
-            </a:r>
-            <a:r>
-              <a:rPr lang="en-US" dirty="0"/>
-              <a:t> or the </a:t>
-            </a:r>
-            <a:r>
-              <a:rPr lang="en-US" b="1" dirty="0"/>
-              <a:t>child class</a:t>
-            </a:r>
-            <a:r>
-              <a:rPr lang="en-US" dirty="0"/>
-              <a:t>). </a:t>
-            </a:r>
-            <a:endParaRPr lang="en-PH" dirty="0"/>
-          </a:p>
-        </p:txBody>
-      </p:sp>
+        </p:nvPicPr>
+        <p:blipFill>
+          <a:blip r:embed="rId3"/>
+          <a:stretch>
+            <a:fillRect/>
+          </a:stretch>
+        </p:blipFill>
+        <p:spPr>
+          <a:xfrm>
+            <a:off x="5402263" y="2063359"/>
+            <a:ext cx="6027737" cy="2731282"/>
+          </a:xfrm>
+          <a:prstGeom prst="rect">
+            <a:avLst/>
+          </a:prstGeom>
+          <a:solidFill>
+            <a:srgbClr val="FFFFFF">
+              <a:shade val="85000"/>
+            </a:srgbClr>
+          </a:solidFill>
+          <a:ln w="88900" cap="sq">
+            <a:solidFill>
+              <a:srgbClr val="FFFFFF"/>
+            </a:solidFill>
+            <a:miter lim="800000"/>
+          </a:ln>
+          <a:effectLst>
+            <a:outerShdw blurRad="55000" dist="18000" dir="5400000" algn="tl" rotWithShape="0">
+              <a:srgbClr val="000000">
+                <a:alpha val="40000"/>
+              </a:srgbClr>
+            </a:outerShdw>
+          </a:effectLst>
+          <a:scene3d>
+            <a:camera prst="orthographicFront"/>
+            <a:lightRig rig="twoPt" dir="t">
+              <a:rot lat="0" lon="0" rev="7200000"/>
+            </a:lightRig>
+          </a:scene3d>
+          <a:sp3d>
+            <a:bevelT w="25400" h="19050"/>
+            <a:contourClr>
+              <a:srgbClr val="FFFFFF"/>
+            </a:contourClr>
+          </a:sp3d>
+        </p:spPr>
+      </p:pic>
     </p:spTree>
     <p:extLst>
       <p:ext uri="{BB962C8B-B14F-4D97-AF65-F5344CB8AC3E}">
-        <p14:creationId xmlns:p14="http://schemas.microsoft.com/office/powerpoint/2010/main" val="3763651540"/>
+        <p14:creationId xmlns:p14="http://schemas.microsoft.com/office/powerpoint/2010/main" val="181148730"/>
       </p:ext>
     </p:extLst>
   </p:cSld>
@@ -6208,52 +6815,44 @@
           <a:p>
             <a:r>
               <a:rPr lang="en-US" sz="4000" dirty="0"/>
-              <a:t>Inheritance</a:t>
-            </a:r>
-          </a:p>
-        </p:txBody>
-      </p:sp>
-      <p:sp>
-        <p:nvSpPr>
-          <p:cNvPr id="3" name="Content Placeholder 2">
-            <a:extLst>
-              <a:ext uri="{FF2B5EF4-FFF2-40B4-BE49-F238E27FC236}">
-                <a16:creationId xmlns:a16="http://schemas.microsoft.com/office/drawing/2014/main" id="{D0F28C76-678F-6942-9279-F5E366032B05}"/>
-              </a:ext>
-            </a:extLst>
-          </p:cNvPr>
-          <p:cNvSpPr>
-            <a:spLocks noGrp="1"/>
-          </p:cNvSpPr>
+              <a:t>Abstraction</a:t>
+            </a:r>
+          </a:p>
+        </p:txBody>
+      </p:sp>
+      <p:pic>
+        <p:nvPicPr>
+          <p:cNvPr id="9" name="Content Placeholder 8">
+            <a:extLst>
+              <a:ext uri="{FF2B5EF4-FFF2-40B4-BE49-F238E27FC236}">
+                <a16:creationId xmlns:a16="http://schemas.microsoft.com/office/drawing/2014/main" id="{E814AB89-5342-4749-2410-B75CA3998622}"/>
+              </a:ext>
+            </a:extLst>
+          </p:cNvPr>
+          <p:cNvPicPr>
+            <a:picLocks noGrp="1" noChangeAspect="1"/>
+          </p:cNvPicPr>
           <p:nvPr>
             <p:ph idx="1"/>
           </p:nvPr>
-        </p:nvSpPr>
-        <p:spPr/>
-        <p:txBody>
-          <a:bodyPr anchor="ctr"/>
-          <a:lstStyle/>
-          <a:p>
-            <a:pPr lvl="0"/>
-            <a:r>
-              <a:rPr lang="en-US" dirty="0"/>
-              <a:t>Encapsulation means both attributes and behaviors.</a:t>
-            </a:r>
-          </a:p>
-          <a:p>
-            <a:pPr lvl="0"/>
-            <a:r>
-              <a:rPr lang="en-US" dirty="0"/>
-              <a:t>Concrete objects should be given the responsibility of implementing their own behavior. </a:t>
-            </a:r>
-            <a:endParaRPr lang="en-PH" dirty="0"/>
-          </a:p>
-        </p:txBody>
-      </p:sp>
+        </p:nvPicPr>
+        <p:blipFill>
+          <a:blip r:embed="rId3"/>
+          <a:stretch>
+            <a:fillRect/>
+          </a:stretch>
+        </p:blipFill>
+        <p:spPr>
+          <a:xfrm>
+            <a:off x="5554575" y="1216149"/>
+            <a:ext cx="6074306" cy="4562859"/>
+          </a:xfrm>
+        </p:spPr>
+      </p:pic>
     </p:spTree>
     <p:extLst>
       <p:ext uri="{BB962C8B-B14F-4D97-AF65-F5344CB8AC3E}">
-        <p14:creationId xmlns:p14="http://schemas.microsoft.com/office/powerpoint/2010/main" val="2041683194"/>
+        <p14:creationId xmlns:p14="http://schemas.microsoft.com/office/powerpoint/2010/main" val="3582437974"/>
       </p:ext>
     </p:extLst>
   </p:cSld>
@@ -6305,6 +6904,471 @@
           <a:p>
             <a:r>
               <a:rPr lang="en-US" sz="4000" dirty="0"/>
+              <a:t>Abstraction</a:t>
+            </a:r>
+          </a:p>
+        </p:txBody>
+      </p:sp>
+      <p:sp>
+        <p:nvSpPr>
+          <p:cNvPr id="4" name="Content Placeholder 3">
+            <a:extLst>
+              <a:ext uri="{FF2B5EF4-FFF2-40B4-BE49-F238E27FC236}">
+                <a16:creationId xmlns:a16="http://schemas.microsoft.com/office/drawing/2014/main" id="{E8F23358-36AF-B5E9-2480-EDE0111753CA}"/>
+              </a:ext>
+            </a:extLst>
+          </p:cNvPr>
+          <p:cNvSpPr>
+            <a:spLocks noGrp="1"/>
+          </p:cNvSpPr>
+          <p:nvPr>
+            <p:ph idx="1"/>
+          </p:nvPr>
+        </p:nvSpPr>
+        <p:spPr/>
+        <p:txBody>
+          <a:bodyPr anchor="ctr"/>
+          <a:lstStyle/>
+          <a:p>
+            <a:r>
+              <a:rPr lang="en-US" dirty="0"/>
+              <a:t>The interface </a:t>
+            </a:r>
+            <a:r>
+              <a:rPr lang="en-US" dirty="0" err="1">
+                <a:latin typeface="Consolas" panose="020B0609020204030204" pitchFamily="49" charset="0"/>
+                <a:ea typeface="Source Code Pro" panose="020B0509030403020204" pitchFamily="49" charset="0"/>
+              </a:rPr>
+              <a:t>BorrowableItem</a:t>
+            </a:r>
+            <a:r>
+              <a:rPr lang="en-US" dirty="0"/>
+              <a:t> is an abstract representation of </a:t>
+            </a:r>
+            <a:r>
+              <a:rPr lang="en-US" i="1" dirty="0"/>
+              <a:t>something from the library that can be borrowed.</a:t>
+            </a:r>
+            <a:r>
+              <a:rPr lang="en-US" dirty="0"/>
+              <a:t> </a:t>
+            </a:r>
+            <a:endParaRPr lang="en-PH" dirty="0"/>
+          </a:p>
+        </p:txBody>
+      </p:sp>
+    </p:spTree>
+    <p:extLst>
+      <p:ext uri="{BB962C8B-B14F-4D97-AF65-F5344CB8AC3E}">
+        <p14:creationId xmlns:p14="http://schemas.microsoft.com/office/powerpoint/2010/main" val="2090716093"/>
+      </p:ext>
+    </p:extLst>
+  </p:cSld>
+  <p:clrMapOvr>
+    <a:masterClrMapping/>
+  </p:clrMapOvr>
+</p:sld>
+</file>
+
+<file path=ppt/slides/slide13.xml><?xml version="1.0" encoding="utf-8"?>
+<p:sld xmlns:a="http://schemas.openxmlformats.org/drawingml/2006/main" xmlns:r="http://schemas.openxmlformats.org/officeDocument/2006/relationships" xmlns:p="http://schemas.openxmlformats.org/presentationml/2006/main">
+  <p:cSld>
+    <p:spTree>
+      <p:nvGrpSpPr>
+        <p:cNvPr id="1" name=""/>
+        <p:cNvGrpSpPr/>
+        <p:nvPr/>
+      </p:nvGrpSpPr>
+      <p:grpSpPr>
+        <a:xfrm>
+          <a:off x="0" y="0"/>
+          <a:ext cx="0" cy="0"/>
+          <a:chOff x="0" y="0"/>
+          <a:chExt cx="0" cy="0"/>
+        </a:xfrm>
+      </p:grpSpPr>
+      <p:sp>
+        <p:nvSpPr>
+          <p:cNvPr id="2" name="Title 1">
+            <a:extLst>
+              <a:ext uri="{FF2B5EF4-FFF2-40B4-BE49-F238E27FC236}">
+                <a16:creationId xmlns:a16="http://schemas.microsoft.com/office/drawing/2014/main" id="{0A9032D7-3B28-994D-90C5-B36A69F93795}"/>
+              </a:ext>
+            </a:extLst>
+          </p:cNvPr>
+          <p:cNvSpPr>
+            <a:spLocks noGrp="1"/>
+          </p:cNvSpPr>
+          <p:nvPr>
+            <p:ph type="title"/>
+          </p:nvPr>
+        </p:nvSpPr>
+        <p:spPr/>
+        <p:txBody>
+          <a:bodyPr>
+            <a:normAutofit/>
+          </a:bodyPr>
+          <a:lstStyle/>
+          <a:p>
+            <a:r>
+              <a:rPr lang="en-US" sz="4000" dirty="0"/>
+              <a:t>Abstraction</a:t>
+            </a:r>
+          </a:p>
+        </p:txBody>
+      </p:sp>
+      <p:sp>
+        <p:nvSpPr>
+          <p:cNvPr id="4" name="Content Placeholder 3">
+            <a:extLst>
+              <a:ext uri="{FF2B5EF4-FFF2-40B4-BE49-F238E27FC236}">
+                <a16:creationId xmlns:a16="http://schemas.microsoft.com/office/drawing/2014/main" id="{E8F23358-36AF-B5E9-2480-EDE0111753CA}"/>
+              </a:ext>
+            </a:extLst>
+          </p:cNvPr>
+          <p:cNvSpPr>
+            <a:spLocks noGrp="1"/>
+          </p:cNvSpPr>
+          <p:nvPr>
+            <p:ph idx="1"/>
+          </p:nvPr>
+        </p:nvSpPr>
+        <p:spPr/>
+        <p:txBody>
+          <a:bodyPr anchor="ctr"/>
+          <a:lstStyle/>
+          <a:p>
+            <a:r>
+              <a:rPr lang="en-US" dirty="0"/>
+              <a:t>Because a </a:t>
+            </a:r>
+            <a:r>
+              <a:rPr lang="en-US" dirty="0">
+                <a:latin typeface="Consolas" panose="020B0609020204030204" pitchFamily="49" charset="0"/>
+              </a:rPr>
+              <a:t>Book</a:t>
+            </a:r>
+            <a:r>
+              <a:rPr lang="en-US" dirty="0"/>
+              <a:t> is a </a:t>
+            </a:r>
+            <a:r>
+              <a:rPr lang="en-US" dirty="0" err="1">
+                <a:latin typeface="Consolas" panose="020B0609020204030204" pitchFamily="49" charset="0"/>
+              </a:rPr>
+              <a:t>BorrowableItem</a:t>
+            </a:r>
+            <a:r>
+              <a:rPr lang="en-US" dirty="0"/>
+              <a:t>, it must also behave based on the specifications of a </a:t>
+            </a:r>
+            <a:r>
+              <a:rPr lang="en-US" dirty="0" err="1">
+                <a:latin typeface="Consolas" panose="020B0609020204030204" pitchFamily="49" charset="0"/>
+              </a:rPr>
+              <a:t>BorrowableItem</a:t>
+            </a:r>
+            <a:r>
+              <a:rPr lang="en-US" dirty="0"/>
+              <a:t>. Meaning it must contain the methods </a:t>
+            </a:r>
+            <a:r>
+              <a:rPr lang="en-US" dirty="0" err="1">
+                <a:latin typeface="Consolas" panose="020B0609020204030204" pitchFamily="49" charset="0"/>
+              </a:rPr>
+              <a:t>uniqueItemId</a:t>
+            </a:r>
+            <a:r>
+              <a:rPr lang="en-US" dirty="0">
+                <a:latin typeface="Consolas" panose="020B0609020204030204" pitchFamily="49" charset="0"/>
+              </a:rPr>
+              <a:t>()</a:t>
+            </a:r>
+            <a:r>
+              <a:rPr lang="en-US" dirty="0"/>
+              <a:t> and </a:t>
+            </a:r>
+            <a:r>
+              <a:rPr lang="en-US" dirty="0" err="1">
+                <a:latin typeface="Consolas" panose="020B0609020204030204" pitchFamily="49" charset="0"/>
+              </a:rPr>
+              <a:t>commonName</a:t>
+            </a:r>
+            <a:r>
+              <a:rPr lang="en-US" dirty="0">
+                <a:latin typeface="Consolas" panose="020B0609020204030204" pitchFamily="49" charset="0"/>
+              </a:rPr>
+              <a:t>()</a:t>
+            </a:r>
+            <a:endParaRPr lang="en-PH" dirty="0">
+              <a:latin typeface="Consolas" panose="020B0609020204030204" pitchFamily="49" charset="0"/>
+            </a:endParaRPr>
+          </a:p>
+        </p:txBody>
+      </p:sp>
+    </p:spTree>
+    <p:extLst>
+      <p:ext uri="{BB962C8B-B14F-4D97-AF65-F5344CB8AC3E}">
+        <p14:creationId xmlns:p14="http://schemas.microsoft.com/office/powerpoint/2010/main" val="1750271850"/>
+      </p:ext>
+    </p:extLst>
+  </p:cSld>
+  <p:clrMapOvr>
+    <a:masterClrMapping/>
+  </p:clrMapOvr>
+</p:sld>
+</file>
+
+<file path=ppt/slides/slide14.xml><?xml version="1.0" encoding="utf-8"?>
+<p:sld xmlns:a="http://schemas.openxmlformats.org/drawingml/2006/main" xmlns:r="http://schemas.openxmlformats.org/officeDocument/2006/relationships" xmlns:p="http://schemas.openxmlformats.org/presentationml/2006/main">
+  <p:cSld>
+    <p:spTree>
+      <p:nvGrpSpPr>
+        <p:cNvPr id="1" name=""/>
+        <p:cNvGrpSpPr/>
+        <p:nvPr/>
+      </p:nvGrpSpPr>
+      <p:grpSpPr>
+        <a:xfrm>
+          <a:off x="0" y="0"/>
+          <a:ext cx="0" cy="0"/>
+          <a:chOff x="0" y="0"/>
+          <a:chExt cx="0" cy="0"/>
+        </a:xfrm>
+      </p:grpSpPr>
+      <p:sp>
+        <p:nvSpPr>
+          <p:cNvPr id="2" name="Title 1">
+            <a:extLst>
+              <a:ext uri="{FF2B5EF4-FFF2-40B4-BE49-F238E27FC236}">
+                <a16:creationId xmlns:a16="http://schemas.microsoft.com/office/drawing/2014/main" id="{0A9032D7-3B28-994D-90C5-B36A69F93795}"/>
+              </a:ext>
+            </a:extLst>
+          </p:cNvPr>
+          <p:cNvSpPr>
+            <a:spLocks noGrp="1"/>
+          </p:cNvSpPr>
+          <p:nvPr>
+            <p:ph type="title"/>
+          </p:nvPr>
+        </p:nvSpPr>
+        <p:spPr/>
+        <p:txBody>
+          <a:bodyPr>
+            <a:normAutofit/>
+          </a:bodyPr>
+          <a:lstStyle/>
+          <a:p>
+            <a:r>
+              <a:rPr lang="en-US" sz="4000" dirty="0"/>
+              <a:t>Abstraction</a:t>
+            </a:r>
+          </a:p>
+        </p:txBody>
+      </p:sp>
+      <p:pic>
+        <p:nvPicPr>
+          <p:cNvPr id="5" name="Content Placeholder 4">
+            <a:extLst>
+              <a:ext uri="{FF2B5EF4-FFF2-40B4-BE49-F238E27FC236}">
+                <a16:creationId xmlns:a16="http://schemas.microsoft.com/office/drawing/2014/main" id="{BF7CCA4C-6DCD-5B66-8568-A5F098502919}"/>
+              </a:ext>
+            </a:extLst>
+          </p:cNvPr>
+          <p:cNvPicPr>
+            <a:picLocks noGrp="1" noChangeAspect="1"/>
+          </p:cNvPicPr>
+          <p:nvPr>
+            <p:ph idx="1"/>
+          </p:nvPr>
+        </p:nvPicPr>
+        <p:blipFill>
+          <a:blip r:embed="rId3"/>
+          <a:stretch>
+            <a:fillRect/>
+          </a:stretch>
+        </p:blipFill>
+        <p:spPr>
+          <a:xfrm>
+            <a:off x="5558631" y="1905000"/>
+            <a:ext cx="5715000" cy="3048000"/>
+          </a:xfrm>
+        </p:spPr>
+      </p:pic>
+    </p:spTree>
+    <p:extLst>
+      <p:ext uri="{BB962C8B-B14F-4D97-AF65-F5344CB8AC3E}">
+        <p14:creationId xmlns:p14="http://schemas.microsoft.com/office/powerpoint/2010/main" val="2528188980"/>
+      </p:ext>
+    </p:extLst>
+  </p:cSld>
+  <p:clrMapOvr>
+    <a:masterClrMapping/>
+  </p:clrMapOvr>
+</p:sld>
+</file>
+
+<file path=ppt/slides/slide15.xml><?xml version="1.0" encoding="utf-8"?>
+<p:sld xmlns:a="http://schemas.openxmlformats.org/drawingml/2006/main" xmlns:r="http://schemas.openxmlformats.org/officeDocument/2006/relationships" xmlns:p="http://schemas.openxmlformats.org/presentationml/2006/main">
+  <p:cSld>
+    <p:spTree>
+      <p:nvGrpSpPr>
+        <p:cNvPr id="1" name=""/>
+        <p:cNvGrpSpPr/>
+        <p:nvPr/>
+      </p:nvGrpSpPr>
+      <p:grpSpPr>
+        <a:xfrm>
+          <a:off x="0" y="0"/>
+          <a:ext cx="0" cy="0"/>
+          <a:chOff x="0" y="0"/>
+          <a:chExt cx="0" cy="0"/>
+        </a:xfrm>
+      </p:grpSpPr>
+      <p:sp>
+        <p:nvSpPr>
+          <p:cNvPr id="2" name="Title 1">
+            <a:extLst>
+              <a:ext uri="{FF2B5EF4-FFF2-40B4-BE49-F238E27FC236}">
+                <a16:creationId xmlns:a16="http://schemas.microsoft.com/office/drawing/2014/main" id="{0A9032D7-3B28-994D-90C5-B36A69F93795}"/>
+              </a:ext>
+            </a:extLst>
+          </p:cNvPr>
+          <p:cNvSpPr>
+            <a:spLocks noGrp="1"/>
+          </p:cNvSpPr>
+          <p:nvPr>
+            <p:ph type="title"/>
+          </p:nvPr>
+        </p:nvSpPr>
+        <p:spPr/>
+        <p:txBody>
+          <a:bodyPr>
+            <a:normAutofit/>
+          </a:bodyPr>
+          <a:lstStyle/>
+          <a:p>
+            <a:r>
+              <a:rPr lang="en-US" sz="4000" dirty="0"/>
+              <a:t>Abstraction</a:t>
+            </a:r>
+          </a:p>
+        </p:txBody>
+      </p:sp>
+      <p:pic>
+        <p:nvPicPr>
+          <p:cNvPr id="5" name="Content Placeholder 4">
+            <a:extLst>
+              <a:ext uri="{FF2B5EF4-FFF2-40B4-BE49-F238E27FC236}">
+                <a16:creationId xmlns:a16="http://schemas.microsoft.com/office/drawing/2014/main" id="{BF7CCA4C-6DCD-5B66-8568-A5F098502919}"/>
+              </a:ext>
+            </a:extLst>
+          </p:cNvPr>
+          <p:cNvPicPr>
+            <a:picLocks noGrp="1" noChangeAspect="1"/>
+          </p:cNvPicPr>
+          <p:nvPr>
+            <p:ph idx="1"/>
+          </p:nvPr>
+        </p:nvPicPr>
+        <p:blipFill>
+          <a:blip r:embed="rId3"/>
+          <a:srcRect/>
+          <a:stretch/>
+        </p:blipFill>
+        <p:spPr>
+          <a:xfrm>
+            <a:off x="5558631" y="1905000"/>
+            <a:ext cx="5715000" cy="3048000"/>
+          </a:xfrm>
+          <a:prstGeom prst="rect">
+            <a:avLst/>
+          </a:prstGeom>
+          <a:solidFill>
+            <a:srgbClr val="FFFFFF">
+              <a:shade val="85000"/>
+            </a:srgbClr>
+          </a:solidFill>
+          <a:ln w="88900" cap="sq">
+            <a:solidFill>
+              <a:srgbClr val="FFFFFF"/>
+            </a:solidFill>
+            <a:miter lim="800000"/>
+          </a:ln>
+          <a:effectLst>
+            <a:outerShdw blurRad="55000" dist="18000" dir="5400000" algn="tl" rotWithShape="0">
+              <a:srgbClr val="000000">
+                <a:alpha val="40000"/>
+              </a:srgbClr>
+            </a:outerShdw>
+          </a:effectLst>
+          <a:scene3d>
+            <a:camera prst="orthographicFront"/>
+            <a:lightRig rig="twoPt" dir="t">
+              <a:rot lat="0" lon="0" rev="7200000"/>
+            </a:lightRig>
+          </a:scene3d>
+          <a:sp3d>
+            <a:bevelT w="25400" h="19050"/>
+            <a:contourClr>
+              <a:srgbClr val="FFFFFF"/>
+            </a:contourClr>
+          </a:sp3d>
+        </p:spPr>
+      </p:pic>
+    </p:spTree>
+    <p:extLst>
+      <p:ext uri="{BB962C8B-B14F-4D97-AF65-F5344CB8AC3E}">
+        <p14:creationId xmlns:p14="http://schemas.microsoft.com/office/powerpoint/2010/main" val="4248797008"/>
+      </p:ext>
+    </p:extLst>
+  </p:cSld>
+  <p:clrMapOvr>
+    <a:masterClrMapping/>
+  </p:clrMapOvr>
+</p:sld>
+</file>
+
+<file path=ppt/slides/slide16.xml><?xml version="1.0" encoding="utf-8"?>
+<p:sld xmlns:a="http://schemas.openxmlformats.org/drawingml/2006/main" xmlns:r="http://schemas.openxmlformats.org/officeDocument/2006/relationships" xmlns:p="http://schemas.openxmlformats.org/presentationml/2006/main">
+  <p:cSld>
+    <p:spTree>
+      <p:nvGrpSpPr>
+        <p:cNvPr id="1" name=""/>
+        <p:cNvGrpSpPr/>
+        <p:nvPr/>
+      </p:nvGrpSpPr>
+      <p:grpSpPr>
+        <a:xfrm>
+          <a:off x="0" y="0"/>
+          <a:ext cx="0" cy="0"/>
+          <a:chOff x="0" y="0"/>
+          <a:chExt cx="0" cy="0"/>
+        </a:xfrm>
+      </p:grpSpPr>
+      <p:sp>
+        <p:nvSpPr>
+          <p:cNvPr id="2" name="Title 1">
+            <a:extLst>
+              <a:ext uri="{FF2B5EF4-FFF2-40B4-BE49-F238E27FC236}">
+                <a16:creationId xmlns:a16="http://schemas.microsoft.com/office/drawing/2014/main" id="{24BA3AB6-81FF-C74A-A207-93B4BD27C42E}"/>
+              </a:ext>
+            </a:extLst>
+          </p:cNvPr>
+          <p:cNvSpPr>
+            <a:spLocks noGrp="1"/>
+          </p:cNvSpPr>
+          <p:nvPr>
+            <p:ph type="title"/>
+          </p:nvPr>
+        </p:nvSpPr>
+        <p:spPr/>
+        <p:txBody>
+          <a:bodyPr/>
+          <a:lstStyle/>
+          <a:p>
+            <a:r>
+              <a:rPr lang="en-US" dirty="0"/>
               <a:t>Inheritance</a:t>
             </a:r>
           </a:p>
@@ -6315,6 +7379,149 @@
           <p:cNvPr id="3" name="Content Placeholder 2">
             <a:extLst>
               <a:ext uri="{FF2B5EF4-FFF2-40B4-BE49-F238E27FC236}">
+                <a16:creationId xmlns:a16="http://schemas.microsoft.com/office/drawing/2014/main" id="{24D2C6C6-7D9A-7243-8217-24EF7FB21CC9}"/>
+              </a:ext>
+            </a:extLst>
+          </p:cNvPr>
+          <p:cNvSpPr>
+            <a:spLocks noGrp="1"/>
+          </p:cNvSpPr>
+          <p:nvPr>
+            <p:ph idx="1"/>
+          </p:nvPr>
+        </p:nvSpPr>
+        <p:spPr/>
+        <p:txBody>
+          <a:bodyPr/>
+          <a:lstStyle/>
+          <a:p>
+            <a:r>
+              <a:rPr lang="en-US" dirty="0"/>
+              <a:t>Inheritance is the concept in which the definition of a class is derived from another class. </a:t>
+            </a:r>
+          </a:p>
+          <a:p>
+            <a:r>
+              <a:rPr lang="en-US" dirty="0"/>
+              <a:t>An existing class, called the </a:t>
+            </a:r>
+            <a:r>
+              <a:rPr lang="en-US" b="1" dirty="0"/>
+              <a:t>super class</a:t>
+            </a:r>
+            <a:r>
+              <a:rPr lang="en-US" dirty="0"/>
+              <a:t> (also called the </a:t>
+            </a:r>
+            <a:r>
+              <a:rPr lang="en-US" b="1" dirty="0"/>
+              <a:t>base class</a:t>
+            </a:r>
+            <a:r>
+              <a:rPr lang="en-US" dirty="0"/>
+              <a:t> or the </a:t>
+            </a:r>
+            <a:r>
+              <a:rPr lang="en-US" b="1" dirty="0"/>
+              <a:t>parent class</a:t>
+            </a:r>
+            <a:r>
+              <a:rPr lang="en-US" dirty="0"/>
+              <a:t>) passes all visible attributes and methods to a </a:t>
+            </a:r>
+            <a:r>
+              <a:rPr lang="en-US" b="1" dirty="0"/>
+              <a:t>sub class</a:t>
+            </a:r>
+            <a:r>
+              <a:rPr lang="en-US" dirty="0"/>
+              <a:t> (also called the </a:t>
+            </a:r>
+            <a:r>
+              <a:rPr lang="en-US" b="1" dirty="0"/>
+              <a:t>derived class</a:t>
+            </a:r>
+            <a:r>
+              <a:rPr lang="en-US" dirty="0"/>
+              <a:t> or the </a:t>
+            </a:r>
+            <a:r>
+              <a:rPr lang="en-US" b="1" dirty="0"/>
+              <a:t>child class</a:t>
+            </a:r>
+            <a:r>
+              <a:rPr lang="en-US" dirty="0"/>
+              <a:t>). </a:t>
+            </a:r>
+            <a:endParaRPr lang="en-PH" dirty="0"/>
+          </a:p>
+        </p:txBody>
+      </p:sp>
+    </p:spTree>
+    <p:extLst>
+      <p:ext uri="{BB962C8B-B14F-4D97-AF65-F5344CB8AC3E}">
+        <p14:creationId xmlns:p14="http://schemas.microsoft.com/office/powerpoint/2010/main" val="3763651540"/>
+      </p:ext>
+    </p:extLst>
+  </p:cSld>
+  <p:clrMapOvr>
+    <a:masterClrMapping/>
+  </p:clrMapOvr>
+</p:sld>
+</file>
+
+<file path=ppt/slides/slide17.xml><?xml version="1.0" encoding="utf-8"?>
+<p:sld xmlns:a="http://schemas.openxmlformats.org/drawingml/2006/main" xmlns:r="http://schemas.openxmlformats.org/officeDocument/2006/relationships" xmlns:p="http://schemas.openxmlformats.org/presentationml/2006/main">
+  <p:cSld>
+    <p:spTree>
+      <p:nvGrpSpPr>
+        <p:cNvPr id="1" name=""/>
+        <p:cNvGrpSpPr/>
+        <p:nvPr/>
+      </p:nvGrpSpPr>
+      <p:grpSpPr>
+        <a:xfrm>
+          <a:off x="0" y="0"/>
+          <a:ext cx="0" cy="0"/>
+          <a:chOff x="0" y="0"/>
+          <a:chExt cx="0" cy="0"/>
+        </a:xfrm>
+      </p:grpSpPr>
+      <p:sp>
+        <p:nvSpPr>
+          <p:cNvPr id="2" name="Title 1">
+            <a:extLst>
+              <a:ext uri="{FF2B5EF4-FFF2-40B4-BE49-F238E27FC236}">
+                <a16:creationId xmlns:a16="http://schemas.microsoft.com/office/drawing/2014/main" id="{0A9032D7-3B28-994D-90C5-B36A69F93795}"/>
+              </a:ext>
+            </a:extLst>
+          </p:cNvPr>
+          <p:cNvSpPr>
+            <a:spLocks noGrp="1"/>
+          </p:cNvSpPr>
+          <p:nvPr>
+            <p:ph type="title"/>
+          </p:nvPr>
+        </p:nvSpPr>
+        <p:spPr/>
+        <p:txBody>
+          <a:bodyPr>
+            <a:normAutofit/>
+          </a:bodyPr>
+          <a:lstStyle/>
+          <a:p>
+            <a:r>
+              <a:rPr lang="en-US" sz="4000" dirty="0"/>
+              <a:t>Inheritance</a:t>
+            </a:r>
+          </a:p>
+        </p:txBody>
+      </p:sp>
+      <p:sp>
+        <p:nvSpPr>
+          <p:cNvPr id="3" name="Content Placeholder 2">
+            <a:extLst>
+              <a:ext uri="{FF2B5EF4-FFF2-40B4-BE49-F238E27FC236}">
                 <a16:creationId xmlns:a16="http://schemas.microsoft.com/office/drawing/2014/main" id="{D0F28C76-678F-6942-9279-F5E366032B05}"/>
               </a:ext>
             </a:extLst>
@@ -6328,8 +7535,105 @@
         </p:nvSpPr>
         <p:spPr/>
         <p:txBody>
+          <a:bodyPr anchor="ctr"/>
+          <a:lstStyle/>
+          <a:p>
+            <a:pPr lvl="0"/>
+            <a:r>
+              <a:rPr lang="en-US" dirty="0"/>
+              <a:t>Encapsulation means both attributes and behaviors.</a:t>
+            </a:r>
+          </a:p>
+          <a:p>
+            <a:pPr lvl="0"/>
+            <a:r>
+              <a:rPr lang="en-US" dirty="0"/>
+              <a:t>Concrete objects should be given the responsibility of implementing their own behavior. </a:t>
+            </a:r>
+            <a:endParaRPr lang="en-PH" dirty="0"/>
+          </a:p>
+        </p:txBody>
+      </p:sp>
+    </p:spTree>
+    <p:extLst>
+      <p:ext uri="{BB962C8B-B14F-4D97-AF65-F5344CB8AC3E}">
+        <p14:creationId xmlns:p14="http://schemas.microsoft.com/office/powerpoint/2010/main" val="2041683194"/>
+      </p:ext>
+    </p:extLst>
+  </p:cSld>
+  <p:clrMapOvr>
+    <a:masterClrMapping/>
+  </p:clrMapOvr>
+</p:sld>
+</file>
+
+<file path=ppt/slides/slide18.xml><?xml version="1.0" encoding="utf-8"?>
+<p:sld xmlns:a="http://schemas.openxmlformats.org/drawingml/2006/main" xmlns:r="http://schemas.openxmlformats.org/officeDocument/2006/relationships" xmlns:p="http://schemas.openxmlformats.org/presentationml/2006/main">
+  <p:cSld>
+    <p:spTree>
+      <p:nvGrpSpPr>
+        <p:cNvPr id="1" name=""/>
+        <p:cNvGrpSpPr/>
+        <p:nvPr/>
+      </p:nvGrpSpPr>
+      <p:grpSpPr>
+        <a:xfrm>
+          <a:off x="0" y="0"/>
+          <a:ext cx="0" cy="0"/>
+          <a:chOff x="0" y="0"/>
+          <a:chExt cx="0" cy="0"/>
+        </a:xfrm>
+      </p:grpSpPr>
+      <p:sp>
+        <p:nvSpPr>
+          <p:cNvPr id="2" name="Title 1">
+            <a:extLst>
+              <a:ext uri="{FF2B5EF4-FFF2-40B4-BE49-F238E27FC236}">
+                <a16:creationId xmlns:a16="http://schemas.microsoft.com/office/drawing/2014/main" id="{0A9032D7-3B28-994D-90C5-B36A69F93795}"/>
+              </a:ext>
+            </a:extLst>
+          </p:cNvPr>
+          <p:cNvSpPr>
+            <a:spLocks noGrp="1"/>
+          </p:cNvSpPr>
+          <p:nvPr>
+            <p:ph type="title"/>
+          </p:nvPr>
+        </p:nvSpPr>
+        <p:spPr/>
+        <p:txBody>
+          <a:bodyPr>
+            <a:normAutofit/>
+          </a:bodyPr>
+          <a:lstStyle/>
+          <a:p>
+            <a:r>
+              <a:rPr lang="en-US" sz="4000" dirty="0"/>
+              <a:t>Inheritance</a:t>
+            </a:r>
+          </a:p>
+        </p:txBody>
+      </p:sp>
+      <p:sp>
+        <p:nvSpPr>
+          <p:cNvPr id="3" name="Content Placeholder 2">
+            <a:extLst>
+              <a:ext uri="{FF2B5EF4-FFF2-40B4-BE49-F238E27FC236}">
+                <a16:creationId xmlns:a16="http://schemas.microsoft.com/office/drawing/2014/main" id="{D0F28C76-678F-6942-9279-F5E366032B05}"/>
+              </a:ext>
+            </a:extLst>
+          </p:cNvPr>
+          <p:cNvSpPr>
+            <a:spLocks noGrp="1"/>
+          </p:cNvSpPr>
+          <p:nvPr>
+            <p:ph idx="1"/>
+          </p:nvPr>
+        </p:nvSpPr>
+        <p:spPr/>
+        <p:txBody>
           <a:bodyPr anchor="ctr">
-            <a:normAutofit lnSpcReduction="10000"/>
+            <a:normAutofit/>
           </a:bodyPr>
           <a:lstStyle/>
           <a:p>
@@ -6360,7 +7664,7 @@
 </p:sld>
 </file>
 
-<file path=ppt/slides/slide13.xml><?xml version="1.0" encoding="utf-8"?>
+<file path=ppt/slides/slide19.xml><?xml version="1.0" encoding="utf-8"?>
 <p:sld xmlns:a="http://schemas.openxmlformats.org/drawingml/2006/main" xmlns:r="http://schemas.openxmlformats.org/officeDocument/2006/relationships" xmlns:p="http://schemas.openxmlformats.org/presentationml/2006/main">
   <p:cSld>
     <p:spTree>
@@ -6424,7 +7728,7 @@
 </p:sld>
 </file>
 
-<file path=ppt/slides/slide14.xml><?xml version="1.0" encoding="utf-8"?>
+<file path=ppt/slides/slide2.xml><?xml version="1.0" encoding="utf-8"?>
 <p:sld xmlns:a="http://schemas.openxmlformats.org/drawingml/2006/main" xmlns:r="http://schemas.openxmlformats.org/officeDocument/2006/relationships" xmlns:p="http://schemas.openxmlformats.org/presentationml/2006/main">
   <p:cSld>
     <p:spTree>
@@ -6446,7 +7750,7 @@
           <p:cNvPr id="2" name="Title 1">
             <a:extLst>
               <a:ext uri="{FF2B5EF4-FFF2-40B4-BE49-F238E27FC236}">
-                <a16:creationId xmlns:a16="http://schemas.microsoft.com/office/drawing/2014/main" id="{0A9032D7-3B28-994D-90C5-B36A69F93795}"/>
+                <a16:creationId xmlns:a16="http://schemas.microsoft.com/office/drawing/2014/main" id="{24BA3AB6-81FF-C74A-A207-93B4BD27C42E}"/>
               </a:ext>
             </a:extLst>
           </p:cNvPr>
@@ -6459,14 +7763,12 @@
         </p:nvSpPr>
         <p:spPr/>
         <p:txBody>
-          <a:bodyPr>
-            <a:normAutofit/>
-          </a:bodyPr>
-          <a:lstStyle/>
-          <a:p>
-            <a:r>
-              <a:rPr lang="en-US" sz="4000" dirty="0"/>
-              <a:t>Inheritance</a:t>
+          <a:bodyPr/>
+          <a:lstStyle/>
+          <a:p>
+            <a:r>
+              <a:rPr lang="en-US" dirty="0"/>
+              <a:t>Encapsulation</a:t>
             </a:r>
           </a:p>
         </p:txBody>
@@ -6476,7 +7778,7 @@
           <p:cNvPr id="3" name="Content Placeholder 2">
             <a:extLst>
               <a:ext uri="{FF2B5EF4-FFF2-40B4-BE49-F238E27FC236}">
-                <a16:creationId xmlns:a16="http://schemas.microsoft.com/office/drawing/2014/main" id="{D0F28C76-678F-6942-9279-F5E366032B05}"/>
+                <a16:creationId xmlns:a16="http://schemas.microsoft.com/office/drawing/2014/main" id="{24D2C6C6-7D9A-7243-8217-24EF7FB21CC9}"/>
               </a:ext>
             </a:extLst>
           </p:cNvPr>
@@ -6489,23 +7791,20 @@
         </p:nvSpPr>
         <p:spPr/>
         <p:txBody>
-          <a:bodyPr anchor="ctr">
-            <a:normAutofit/>
-          </a:bodyPr>
+          <a:bodyPr/>
           <a:lstStyle/>
           <a:p>
             <a:r>
               <a:rPr lang="en-US" dirty="0"/>
-              <a:t>In this example the supertype animal is a generalization of the subtype mammal. </a:t>
-            </a:r>
-            <a:endParaRPr lang="en-PH" dirty="0"/>
+              <a:t>OOP's innovation that made the paradigm a solution to the issues of state is its mechanism to construct boundaries wherever you want.</a:t>
+            </a:r>
           </a:p>
         </p:txBody>
       </p:sp>
     </p:spTree>
     <p:extLst>
       <p:ext uri="{BB962C8B-B14F-4D97-AF65-F5344CB8AC3E}">
-        <p14:creationId xmlns:p14="http://schemas.microsoft.com/office/powerpoint/2010/main" val="545956092"/>
+        <p14:creationId xmlns:p14="http://schemas.microsoft.com/office/powerpoint/2010/main" val="4034473145"/>
       </p:ext>
     </p:extLst>
   </p:cSld>
@@ -6515,7 +7814,7 @@
 </p:sld>
 </file>
 
-<file path=ppt/slides/slide15.xml><?xml version="1.0" encoding="utf-8"?>
+<file path=ppt/slides/slide20.xml><?xml version="1.0" encoding="utf-8"?>
 <p:sld xmlns:a="http://schemas.openxmlformats.org/drawingml/2006/main" xmlns:r="http://schemas.openxmlformats.org/officeDocument/2006/relationships" xmlns:p="http://schemas.openxmlformats.org/presentationml/2006/main">
   <p:cSld>
     <p:spTree>
@@ -6587,7 +7886,7 @@
           <a:p>
             <a:r>
               <a:rPr lang="en-US" dirty="0"/>
-              <a:t>Although it isn’t shown, Mammal will also have the attributes name and weight and the method sound() since it inherits these from the parent class. </a:t>
+              <a:t>In this example the supertype animal is a generalization of the subtype mammal. </a:t>
             </a:r>
             <a:endParaRPr lang="en-PH" dirty="0"/>
           </a:p>
@@ -6596,7 +7895,7 @@
     </p:spTree>
     <p:extLst>
       <p:ext uri="{BB962C8B-B14F-4D97-AF65-F5344CB8AC3E}">
-        <p14:creationId xmlns:p14="http://schemas.microsoft.com/office/powerpoint/2010/main" val="2285967381"/>
+        <p14:creationId xmlns:p14="http://schemas.microsoft.com/office/powerpoint/2010/main" val="545956092"/>
       </p:ext>
     </p:extLst>
   </p:cSld>
@@ -6606,7 +7905,7 @@
 </p:sld>
 </file>
 
-<file path=ppt/slides/slide16.xml><?xml version="1.0" encoding="utf-8"?>
+<file path=ppt/slides/slide21.xml><?xml version="1.0" encoding="utf-8"?>
 <p:sld xmlns:a="http://schemas.openxmlformats.org/drawingml/2006/main" xmlns:r="http://schemas.openxmlformats.org/officeDocument/2006/relationships" xmlns:p="http://schemas.openxmlformats.org/presentationml/2006/main">
   <p:cSld>
     <p:spTree>
@@ -6678,15 +7977,7 @@
           <a:p>
             <a:r>
               <a:rPr lang="en-US" dirty="0"/>
-              <a:t>Mammal has a method of its own called lactate() which it </a:t>
-            </a:r>
-            <a:r>
-              <a:rPr lang="en-US" dirty="0" err="1"/>
-              <a:t>doesn</a:t>
-            </a:r>
-            <a:r>
-              <a:rPr lang="en-US" dirty="0"/>
-              <a:t> share with animal.</a:t>
+              <a:t>Although it isn’t shown, Mammal will also have the attributes name and weight and the method sound() since it inherits these from the parent class. </a:t>
             </a:r>
             <a:endParaRPr lang="en-PH" dirty="0"/>
           </a:p>
@@ -6695,7 +7986,7 @@
     </p:spTree>
     <p:extLst>
       <p:ext uri="{BB962C8B-B14F-4D97-AF65-F5344CB8AC3E}">
-        <p14:creationId xmlns:p14="http://schemas.microsoft.com/office/powerpoint/2010/main" val="2481317461"/>
+        <p14:creationId xmlns:p14="http://schemas.microsoft.com/office/powerpoint/2010/main" val="2285967381"/>
       </p:ext>
     </p:extLst>
   </p:cSld>
@@ -6705,7 +7996,7 @@
 </p:sld>
 </file>
 
-<file path=ppt/slides/slide17.xml><?xml version="1.0" encoding="utf-8"?>
+<file path=ppt/slides/slide22.xml><?xml version="1.0" encoding="utf-8"?>
 <p:sld xmlns:a="http://schemas.openxmlformats.org/drawingml/2006/main" xmlns:r="http://schemas.openxmlformats.org/officeDocument/2006/relationships" xmlns:p="http://schemas.openxmlformats.org/presentationml/2006/main">
   <p:cSld>
     <p:spTree>
@@ -6777,6 +8068,105 @@
           <a:p>
             <a:r>
               <a:rPr lang="en-US" dirty="0"/>
+              <a:t>Mammal has a method of its own called lactate() which it </a:t>
+            </a:r>
+            <a:r>
+              <a:rPr lang="en-US" dirty="0" err="1"/>
+              <a:t>doesnt</a:t>
+            </a:r>
+            <a:r>
+              <a:rPr lang="en-US" dirty="0"/>
+              <a:t> share with animal.</a:t>
+            </a:r>
+            <a:endParaRPr lang="en-PH" dirty="0"/>
+          </a:p>
+        </p:txBody>
+      </p:sp>
+    </p:spTree>
+    <p:extLst>
+      <p:ext uri="{BB962C8B-B14F-4D97-AF65-F5344CB8AC3E}">
+        <p14:creationId xmlns:p14="http://schemas.microsoft.com/office/powerpoint/2010/main" val="2481317461"/>
+      </p:ext>
+    </p:extLst>
+  </p:cSld>
+  <p:clrMapOvr>
+    <a:masterClrMapping/>
+  </p:clrMapOvr>
+</p:sld>
+</file>
+
+<file path=ppt/slides/slide23.xml><?xml version="1.0" encoding="utf-8"?>
+<p:sld xmlns:a="http://schemas.openxmlformats.org/drawingml/2006/main" xmlns:r="http://schemas.openxmlformats.org/officeDocument/2006/relationships" xmlns:p="http://schemas.openxmlformats.org/presentationml/2006/main">
+  <p:cSld>
+    <p:spTree>
+      <p:nvGrpSpPr>
+        <p:cNvPr id="1" name=""/>
+        <p:cNvGrpSpPr/>
+        <p:nvPr/>
+      </p:nvGrpSpPr>
+      <p:grpSpPr>
+        <a:xfrm>
+          <a:off x="0" y="0"/>
+          <a:ext cx="0" cy="0"/>
+          <a:chOff x="0" y="0"/>
+          <a:chExt cx="0" cy="0"/>
+        </a:xfrm>
+      </p:grpSpPr>
+      <p:sp>
+        <p:nvSpPr>
+          <p:cNvPr id="2" name="Title 1">
+            <a:extLst>
+              <a:ext uri="{FF2B5EF4-FFF2-40B4-BE49-F238E27FC236}">
+                <a16:creationId xmlns:a16="http://schemas.microsoft.com/office/drawing/2014/main" id="{0A9032D7-3B28-994D-90C5-B36A69F93795}"/>
+              </a:ext>
+            </a:extLst>
+          </p:cNvPr>
+          <p:cNvSpPr>
+            <a:spLocks noGrp="1"/>
+          </p:cNvSpPr>
+          <p:nvPr>
+            <p:ph type="title"/>
+          </p:nvPr>
+        </p:nvSpPr>
+        <p:spPr/>
+        <p:txBody>
+          <a:bodyPr>
+            <a:normAutofit/>
+          </a:bodyPr>
+          <a:lstStyle/>
+          <a:p>
+            <a:r>
+              <a:rPr lang="en-US" sz="4000" dirty="0"/>
+              <a:t>Inheritance</a:t>
+            </a:r>
+          </a:p>
+        </p:txBody>
+      </p:sp>
+      <p:sp>
+        <p:nvSpPr>
+          <p:cNvPr id="3" name="Content Placeholder 2">
+            <a:extLst>
+              <a:ext uri="{FF2B5EF4-FFF2-40B4-BE49-F238E27FC236}">
+                <a16:creationId xmlns:a16="http://schemas.microsoft.com/office/drawing/2014/main" id="{D0F28C76-678F-6942-9279-F5E366032B05}"/>
+              </a:ext>
+            </a:extLst>
+          </p:cNvPr>
+          <p:cNvSpPr>
+            <a:spLocks noGrp="1"/>
+          </p:cNvSpPr>
+          <p:nvPr>
+            <p:ph idx="1"/>
+          </p:nvPr>
+        </p:nvSpPr>
+        <p:spPr/>
+        <p:txBody>
+          <a:bodyPr anchor="ctr">
+            <a:normAutofit/>
+          </a:bodyPr>
+          <a:lstStyle/>
+          <a:p>
+            <a:r>
+              <a:rPr lang="en-US" dirty="0"/>
               <a:t>A subclass can also be a super class for another class. </a:t>
             </a:r>
           </a:p>
@@ -6802,7 +8192,7 @@
 </p:sld>
 </file>
 
-<file path=ppt/slides/slide18.xml><?xml version="1.0" encoding="utf-8"?>
+<file path=ppt/slides/slide24.xml><?xml version="1.0" encoding="utf-8"?>
 <p:sld xmlns:a="http://schemas.openxmlformats.org/drawingml/2006/main" xmlns:r="http://schemas.openxmlformats.org/officeDocument/2006/relationships" xmlns:p="http://schemas.openxmlformats.org/presentationml/2006/main">
   <p:cSld>
     <p:spTree>
@@ -6866,7 +8256,7 @@
 </p:sld>
 </file>
 
-<file path=ppt/slides/slide19.xml><?xml version="1.0" encoding="utf-8"?>
+<file path=ppt/slides/slide25.xml><?xml version="1.0" encoding="utf-8"?>
 <p:sld xmlns:a="http://schemas.openxmlformats.org/drawingml/2006/main" xmlns:r="http://schemas.openxmlformats.org/officeDocument/2006/relationships" xmlns:p="http://schemas.openxmlformats.org/presentationml/2006/main">
   <p:cSld>
     <p:spTree>
@@ -6967,7 +8357,7 @@
 </p:sld>
 </file>
 
-<file path=ppt/slides/slide2.xml><?xml version="1.0" encoding="utf-8"?>
+<file path=ppt/slides/slide26.xml><?xml version="1.0" encoding="utf-8"?>
 <p:sld xmlns:a="http://schemas.openxmlformats.org/drawingml/2006/main" xmlns:r="http://schemas.openxmlformats.org/officeDocument/2006/relationships" xmlns:p="http://schemas.openxmlformats.org/presentationml/2006/main">
   <p:cSld>
     <p:spTree>
@@ -6989,7 +8379,7 @@
           <p:cNvPr id="2" name="Title 1">
             <a:extLst>
               <a:ext uri="{FF2B5EF4-FFF2-40B4-BE49-F238E27FC236}">
-                <a16:creationId xmlns:a16="http://schemas.microsoft.com/office/drawing/2014/main" id="{24BA3AB6-81FF-C74A-A207-93B4BD27C42E}"/>
+                <a16:creationId xmlns:a16="http://schemas.microsoft.com/office/drawing/2014/main" id="{0A9032D7-3B28-994D-90C5-B36A69F93795}"/>
               </a:ext>
             </a:extLst>
           </p:cNvPr>
@@ -7002,48 +8392,53 @@
         </p:nvSpPr>
         <p:spPr/>
         <p:txBody>
-          <a:bodyPr/>
+          <a:bodyPr>
+            <a:normAutofit/>
+          </a:bodyPr>
+          <a:lstStyle/>
+          <a:p>
+            <a:r>
+              <a:rPr lang="en-US" sz="4000" dirty="0"/>
+              <a:t>Inheritance</a:t>
+            </a:r>
+          </a:p>
+        </p:txBody>
+      </p:sp>
+      <p:sp>
+        <p:nvSpPr>
+          <p:cNvPr id="3" name="Content Placeholder 2">
+            <a:extLst>
+              <a:ext uri="{FF2B5EF4-FFF2-40B4-BE49-F238E27FC236}">
+                <a16:creationId xmlns:a16="http://schemas.microsoft.com/office/drawing/2014/main" id="{D0F28C76-678F-6942-9279-F5E366032B05}"/>
+              </a:ext>
+            </a:extLst>
+          </p:cNvPr>
+          <p:cNvSpPr>
+            <a:spLocks noGrp="1"/>
+          </p:cNvSpPr>
+          <p:nvPr>
+            <p:ph idx="1"/>
+          </p:nvPr>
+        </p:nvSpPr>
+        <p:spPr/>
+        <p:txBody>
+          <a:bodyPr anchor="ctr">
+            <a:normAutofit/>
+          </a:bodyPr>
           <a:lstStyle/>
           <a:p>
             <a:r>
               <a:rPr lang="en-US" dirty="0"/>
-              <a:t>Encapsulation</a:t>
-            </a:r>
-          </a:p>
-        </p:txBody>
-      </p:sp>
-      <p:sp>
-        <p:nvSpPr>
-          <p:cNvPr id="3" name="Content Placeholder 2">
-            <a:extLst>
-              <a:ext uri="{FF2B5EF4-FFF2-40B4-BE49-F238E27FC236}">
-                <a16:creationId xmlns:a16="http://schemas.microsoft.com/office/drawing/2014/main" id="{24D2C6C6-7D9A-7243-8217-24EF7FB21CC9}"/>
-              </a:ext>
-            </a:extLst>
-          </p:cNvPr>
-          <p:cNvSpPr>
-            <a:spLocks noGrp="1"/>
-          </p:cNvSpPr>
-          <p:nvPr>
-            <p:ph idx="1"/>
-          </p:nvPr>
-        </p:nvSpPr>
-        <p:spPr/>
-        <p:txBody>
-          <a:bodyPr/>
-          <a:lstStyle/>
-          <a:p>
-            <a:r>
-              <a:rPr lang="en-US" dirty="0"/>
-              <a:t>OOP's innovation that made the paradigm a solution to the issues of state is its mechanism to construct boundaries wherever you want.</a:t>
-            </a:r>
+              <a:t>Mammal has a method of its own called lactate() which it doesn’t share with animal.</a:t>
+            </a:r>
+            <a:endParaRPr lang="en-PH" dirty="0"/>
           </a:p>
         </p:txBody>
       </p:sp>
     </p:spTree>
     <p:extLst>
       <p:ext uri="{BB962C8B-B14F-4D97-AF65-F5344CB8AC3E}">
-        <p14:creationId xmlns:p14="http://schemas.microsoft.com/office/powerpoint/2010/main" val="4034473145"/>
+        <p14:creationId xmlns:p14="http://schemas.microsoft.com/office/powerpoint/2010/main" val="2410505259"/>
       </p:ext>
     </p:extLst>
   </p:cSld>
@@ -7053,7 +8448,7 @@
 </p:sld>
 </file>
 
-<file path=ppt/slides/slide20.xml><?xml version="1.0" encoding="utf-8"?>
+<file path=ppt/slides/slide27.xml><?xml version="1.0" encoding="utf-8"?>
 <p:sld xmlns:a="http://schemas.openxmlformats.org/drawingml/2006/main" xmlns:r="http://schemas.openxmlformats.org/officeDocument/2006/relationships" xmlns:p="http://schemas.openxmlformats.org/presentationml/2006/main">
   <p:cSld>
     <p:spTree>
@@ -7075,7 +8470,7 @@
           <p:cNvPr id="2" name="Title 1">
             <a:extLst>
               <a:ext uri="{FF2B5EF4-FFF2-40B4-BE49-F238E27FC236}">
-                <a16:creationId xmlns:a16="http://schemas.microsoft.com/office/drawing/2014/main" id="{0A9032D7-3B28-994D-90C5-B36A69F93795}"/>
+                <a16:creationId xmlns:a16="http://schemas.microsoft.com/office/drawing/2014/main" id="{462C776F-5279-1945-816B-32017562237F}"/>
               </a:ext>
             </a:extLst>
           </p:cNvPr>
@@ -7095,7 +8490,7 @@
           <a:p>
             <a:r>
               <a:rPr lang="en-US" sz="4000" dirty="0"/>
-              <a:t>Inheritance</a:t>
+              <a:t>Compile-time polymorphism</a:t>
             </a:r>
           </a:p>
         </p:txBody>
@@ -7105,7 +8500,7 @@
           <p:cNvPr id="3" name="Content Placeholder 2">
             <a:extLst>
               <a:ext uri="{FF2B5EF4-FFF2-40B4-BE49-F238E27FC236}">
-                <a16:creationId xmlns:a16="http://schemas.microsoft.com/office/drawing/2014/main" id="{D0F28C76-678F-6942-9279-F5E366032B05}"/>
+                <a16:creationId xmlns:a16="http://schemas.microsoft.com/office/drawing/2014/main" id="{F15A9BDD-A60E-3849-A428-99B36A7AB7F2}"/>
               </a:ext>
             </a:extLst>
           </p:cNvPr>
@@ -7125,16 +8520,15 @@
           <a:p>
             <a:r>
               <a:rPr lang="en-US" dirty="0"/>
-              <a:t>Mammal has a method of its own called lactate() which it doesn’t share with animal.</a:t>
-            </a:r>
-            <a:endParaRPr lang="en-PH" dirty="0"/>
+              <a:t>There’s also another type of polymorphism that is not necessarily shared by all OOP languages, compile-time polymorphism. </a:t>
+            </a:r>
           </a:p>
         </p:txBody>
       </p:sp>
     </p:spTree>
     <p:extLst>
       <p:ext uri="{BB962C8B-B14F-4D97-AF65-F5344CB8AC3E}">
-        <p14:creationId xmlns:p14="http://schemas.microsoft.com/office/powerpoint/2010/main" val="2410505259"/>
+        <p14:creationId xmlns:p14="http://schemas.microsoft.com/office/powerpoint/2010/main" val="1194062732"/>
       </p:ext>
     </p:extLst>
   </p:cSld>
@@ -7144,7 +8538,7 @@
 </p:sld>
 </file>
 
-<file path=ppt/slides/slide21.xml><?xml version="1.0" encoding="utf-8"?>
+<file path=ppt/slides/slide28.xml><?xml version="1.0" encoding="utf-8"?>
 <p:sld xmlns:a="http://schemas.openxmlformats.org/drawingml/2006/main" xmlns:r="http://schemas.openxmlformats.org/officeDocument/2006/relationships" xmlns:p="http://schemas.openxmlformats.org/presentationml/2006/main">
   <p:cSld>
     <p:spTree>
@@ -7216,7 +8610,13 @@
           <a:p>
             <a:r>
               <a:rPr lang="en-US" dirty="0"/>
-              <a:t>There’s also another type of polymorphism that is not necessarily shared by all OOP languages, compile-time polymorphism. </a:t>
+              <a:t>This is basically the feature where multiple functions can have the same name as long as they have different parameter type signatures.</a:t>
+            </a:r>
+          </a:p>
+          <a:p>
+            <a:r>
+              <a:rPr lang="en-US" dirty="0"/>
+              <a:t>This is also known as method overloading.</a:t>
             </a:r>
           </a:p>
         </p:txBody>
@@ -7224,7 +8624,7 @@
     </p:spTree>
     <p:extLst>
       <p:ext uri="{BB962C8B-B14F-4D97-AF65-F5344CB8AC3E}">
-        <p14:creationId xmlns:p14="http://schemas.microsoft.com/office/powerpoint/2010/main" val="1194062732"/>
+        <p14:creationId xmlns:p14="http://schemas.microsoft.com/office/powerpoint/2010/main" val="3443029172"/>
       </p:ext>
     </p:extLst>
   </p:cSld>
@@ -7234,7 +8634,7 @@
 </p:sld>
 </file>
 
-<file path=ppt/slides/slide22.xml><?xml version="1.0" encoding="utf-8"?>
+<file path=ppt/slides/slide29.xml><?xml version="1.0" encoding="utf-8"?>
 <p:sld xmlns:a="http://schemas.openxmlformats.org/drawingml/2006/main" xmlns:r="http://schemas.openxmlformats.org/officeDocument/2006/relationships" xmlns:p="http://schemas.openxmlformats.org/presentationml/2006/main">
   <p:cSld>
     <p:spTree>
@@ -7276,7 +8676,7 @@
           <a:p>
             <a:r>
               <a:rPr lang="en-US" sz="4000" dirty="0"/>
-              <a:t>Compile-time polymorphism</a:t>
+              <a:t>Run-time polymorphism</a:t>
             </a:r>
           </a:p>
         </p:txBody>
@@ -7306,13 +8706,7 @@
           <a:p>
             <a:r>
               <a:rPr lang="en-US" dirty="0"/>
-              <a:t>This is basically the feature where multiple functions can have the same name as long as they have different parameter type signatures.</a:t>
-            </a:r>
-          </a:p>
-          <a:p>
-            <a:r>
-              <a:rPr lang="en-US" dirty="0"/>
-              <a:t>This is also known as method overloading.</a:t>
+              <a:t>Run-time polymorphism is basically achieved using specialization and realization relationships between objects. </a:t>
             </a:r>
           </a:p>
         </p:txBody>
@@ -7320,7 +8714,7 @@
     </p:spTree>
     <p:extLst>
       <p:ext uri="{BB962C8B-B14F-4D97-AF65-F5344CB8AC3E}">
-        <p14:creationId xmlns:p14="http://schemas.microsoft.com/office/powerpoint/2010/main" val="3443029172"/>
+        <p14:creationId xmlns:p14="http://schemas.microsoft.com/office/powerpoint/2010/main" val="2576070393"/>
       </p:ext>
     </p:extLst>
   </p:cSld>
@@ -7330,7 +8724,7 @@
 </p:sld>
 </file>
 
-<file path=ppt/slides/slide23.xml><?xml version="1.0" encoding="utf-8"?>
+<file path=ppt/slides/slide3.xml><?xml version="1.0" encoding="utf-8"?>
 <p:sld xmlns:a="http://schemas.openxmlformats.org/drawingml/2006/main" xmlns:r="http://schemas.openxmlformats.org/officeDocument/2006/relationships" xmlns:p="http://schemas.openxmlformats.org/presentationml/2006/main">
   <p:cSld>
     <p:spTree>
@@ -7352,7 +8746,7 @@
           <p:cNvPr id="2" name="Title 1">
             <a:extLst>
               <a:ext uri="{FF2B5EF4-FFF2-40B4-BE49-F238E27FC236}">
-                <a16:creationId xmlns:a16="http://schemas.microsoft.com/office/drawing/2014/main" id="{462C776F-5279-1945-816B-32017562237F}"/>
+                <a16:creationId xmlns:a16="http://schemas.microsoft.com/office/drawing/2014/main" id="{0A9032D7-3B28-994D-90C5-B36A69F93795}"/>
               </a:ext>
             </a:extLst>
           </p:cNvPr>
@@ -7372,7 +8766,7 @@
           <a:p>
             <a:r>
               <a:rPr lang="en-US" sz="4000" dirty="0"/>
-              <a:t>Run-time polymorphism</a:t>
+              <a:t>Encapsulation</a:t>
             </a:r>
           </a:p>
         </p:txBody>
@@ -7382,7 +8776,7 @@
           <p:cNvPr id="3" name="Content Placeholder 2">
             <a:extLst>
               <a:ext uri="{FF2B5EF4-FFF2-40B4-BE49-F238E27FC236}">
-                <a16:creationId xmlns:a16="http://schemas.microsoft.com/office/drawing/2014/main" id="{F15A9BDD-A60E-3849-A428-99B36A7AB7F2}"/>
+                <a16:creationId xmlns:a16="http://schemas.microsoft.com/office/drawing/2014/main" id="{D0F28C76-678F-6942-9279-F5E366032B05}"/>
               </a:ext>
             </a:extLst>
           </p:cNvPr>
@@ -7395,14 +8789,12 @@
         </p:nvSpPr>
         <p:spPr/>
         <p:txBody>
-          <a:bodyPr anchor="ctr">
-            <a:normAutofit/>
-          </a:bodyPr>
+          <a:bodyPr anchor="ctr"/>
           <a:lstStyle/>
           <a:p>
             <a:r>
               <a:rPr lang="en-US" dirty="0"/>
-              <a:t>Run-time polymorphism is basically achieved using specialization and realization relationships between objects. </a:t>
+              <a:t>Encapsulation, when done correctly, makes your system approach a more accurate simulation of the real world. </a:t>
             </a:r>
           </a:p>
         </p:txBody>
@@ -7410,7 +8802,7 @@
     </p:spTree>
     <p:extLst>
       <p:ext uri="{BB962C8B-B14F-4D97-AF65-F5344CB8AC3E}">
-        <p14:creationId xmlns:p14="http://schemas.microsoft.com/office/powerpoint/2010/main" val="2576070393"/>
+        <p14:creationId xmlns:p14="http://schemas.microsoft.com/office/powerpoint/2010/main" val="2011296037"/>
       </p:ext>
     </p:extLst>
   </p:cSld>
@@ -7420,7 +8812,7 @@
 </p:sld>
 </file>
 
-<file path=ppt/slides/slide24.xml><?xml version="1.0" encoding="utf-8"?>
+<file path=ppt/slides/slide30.xml><?xml version="1.0" encoding="utf-8"?>
 <p:sld xmlns:a="http://schemas.openxmlformats.org/drawingml/2006/main" xmlns:r="http://schemas.openxmlformats.org/officeDocument/2006/relationships" xmlns:p="http://schemas.openxmlformats.org/presentationml/2006/main">
   <p:cSld>
     <p:spTree>
@@ -7484,7 +8876,7 @@
 </p:sld>
 </file>
 
-<file path=ppt/slides/slide25.xml><?xml version="1.0" encoding="utf-8"?>
+<file path=ppt/slides/slide31.xml><?xml version="1.0" encoding="utf-8"?>
 <p:sld xmlns:a="http://schemas.openxmlformats.org/drawingml/2006/main" xmlns:r="http://schemas.openxmlformats.org/officeDocument/2006/relationships" xmlns:p="http://schemas.openxmlformats.org/presentationml/2006/main">
   <p:cSld>
     <p:spTree>
@@ -7598,7 +8990,7 @@
 </p:sld>
 </file>
 
-<file path=ppt/slides/slide26.xml><?xml version="1.0" encoding="utf-8"?>
+<file path=ppt/slides/slide32.xml><?xml version="1.0" encoding="utf-8"?>
 <p:sld xmlns:a="http://schemas.openxmlformats.org/drawingml/2006/main" xmlns:r="http://schemas.openxmlformats.org/officeDocument/2006/relationships" xmlns:p="http://schemas.openxmlformats.org/presentationml/2006/main">
   <p:cSld>
     <p:spTree>
@@ -7688,7 +9080,7 @@
 </p:sld>
 </file>
 
-<file path=ppt/slides/slide27.xml><?xml version="1.0" encoding="utf-8"?>
+<file path=ppt/slides/slide33.xml><?xml version="1.0" encoding="utf-8"?>
 <p:sld xmlns:a="http://schemas.openxmlformats.org/drawingml/2006/main" xmlns:r="http://schemas.openxmlformats.org/officeDocument/2006/relationships" xmlns:p="http://schemas.openxmlformats.org/presentationml/2006/main">
   <p:cSld>
     <p:spTree>
@@ -7804,7 +9196,7 @@
 </p:sld>
 </file>
 
-<file path=ppt/slides/slide28.xml><?xml version="1.0" encoding="utf-8"?>
+<file path=ppt/slides/slide34.xml><?xml version="1.0" encoding="utf-8"?>
 <p:sld xmlns:a="http://schemas.openxmlformats.org/drawingml/2006/main" xmlns:r="http://schemas.openxmlformats.org/officeDocument/2006/relationships" xmlns:p="http://schemas.openxmlformats.org/presentationml/2006/main">
   <p:cSld>
     <p:spTree>
@@ -7885,94 +9277,6 @@
     <p:extLst>
       <p:ext uri="{BB962C8B-B14F-4D97-AF65-F5344CB8AC3E}">
         <p14:creationId xmlns:p14="http://schemas.microsoft.com/office/powerpoint/2010/main" val="793518129"/>
-      </p:ext>
-    </p:extLst>
-  </p:cSld>
-  <p:clrMapOvr>
-    <a:masterClrMapping/>
-  </p:clrMapOvr>
-</p:sld>
-</file>
-
-<file path=ppt/slides/slide3.xml><?xml version="1.0" encoding="utf-8"?>
-<p:sld xmlns:a="http://schemas.openxmlformats.org/drawingml/2006/main" xmlns:r="http://schemas.openxmlformats.org/officeDocument/2006/relationships" xmlns:p="http://schemas.openxmlformats.org/presentationml/2006/main">
-  <p:cSld>
-    <p:spTree>
-      <p:nvGrpSpPr>
-        <p:cNvPr id="1" name=""/>
-        <p:cNvGrpSpPr/>
-        <p:nvPr/>
-      </p:nvGrpSpPr>
-      <p:grpSpPr>
-        <a:xfrm>
-          <a:off x="0" y="0"/>
-          <a:ext cx="0" cy="0"/>
-          <a:chOff x="0" y="0"/>
-          <a:chExt cx="0" cy="0"/>
-        </a:xfrm>
-      </p:grpSpPr>
-      <p:sp>
-        <p:nvSpPr>
-          <p:cNvPr id="2" name="Title 1">
-            <a:extLst>
-              <a:ext uri="{FF2B5EF4-FFF2-40B4-BE49-F238E27FC236}">
-                <a16:creationId xmlns:a16="http://schemas.microsoft.com/office/drawing/2014/main" id="{0A9032D7-3B28-994D-90C5-B36A69F93795}"/>
-              </a:ext>
-            </a:extLst>
-          </p:cNvPr>
-          <p:cNvSpPr>
-            <a:spLocks noGrp="1"/>
-          </p:cNvSpPr>
-          <p:nvPr>
-            <p:ph type="title"/>
-          </p:nvPr>
-        </p:nvSpPr>
-        <p:spPr/>
-        <p:txBody>
-          <a:bodyPr>
-            <a:normAutofit/>
-          </a:bodyPr>
-          <a:lstStyle/>
-          <a:p>
-            <a:r>
-              <a:rPr lang="en-US" sz="4000" dirty="0"/>
-              <a:t>Encapsulation</a:t>
-            </a:r>
-          </a:p>
-        </p:txBody>
-      </p:sp>
-      <p:sp>
-        <p:nvSpPr>
-          <p:cNvPr id="3" name="Content Placeholder 2">
-            <a:extLst>
-              <a:ext uri="{FF2B5EF4-FFF2-40B4-BE49-F238E27FC236}">
-                <a16:creationId xmlns:a16="http://schemas.microsoft.com/office/drawing/2014/main" id="{D0F28C76-678F-6942-9279-F5E366032B05}"/>
-              </a:ext>
-            </a:extLst>
-          </p:cNvPr>
-          <p:cNvSpPr>
-            <a:spLocks noGrp="1"/>
-          </p:cNvSpPr>
-          <p:nvPr>
-            <p:ph idx="1"/>
-          </p:nvPr>
-        </p:nvSpPr>
-        <p:spPr/>
-        <p:txBody>
-          <a:bodyPr anchor="ctr"/>
-          <a:lstStyle/>
-          <a:p>
-            <a:r>
-              <a:rPr lang="en-US" dirty="0"/>
-              <a:t>Encapsulation, when done correctly, makes your system approach a more accurate simulation of the real world. </a:t>
-            </a:r>
-          </a:p>
-        </p:txBody>
-      </p:sp>
-    </p:spTree>
-    <p:extLst>
-      <p:ext uri="{BB962C8B-B14F-4D97-AF65-F5344CB8AC3E}">
-        <p14:creationId xmlns:p14="http://schemas.microsoft.com/office/powerpoint/2010/main" val="2011296037"/>
       </p:ext>
     </p:extLst>
   </p:cSld>
@@ -8557,7 +9861,7 @@
           <p:cNvPr id="2" name="Title 1">
             <a:extLst>
               <a:ext uri="{FF2B5EF4-FFF2-40B4-BE49-F238E27FC236}">
-                <a16:creationId xmlns:a16="http://schemas.microsoft.com/office/drawing/2014/main" id="{0A9032D7-3B28-994D-90C5-B36A69F93795}"/>
+                <a16:creationId xmlns:a16="http://schemas.microsoft.com/office/drawing/2014/main" id="{24BA3AB6-81FF-C74A-A207-93B4BD27C42E}"/>
               </a:ext>
             </a:extLst>
           </p:cNvPr>
@@ -8570,40 +9874,52 @@
         </p:nvSpPr>
         <p:spPr/>
         <p:txBody>
+          <a:bodyPr/>
+          <a:lstStyle/>
+          <a:p>
+            <a:r>
+              <a:rPr lang="en-US" dirty="0"/>
+              <a:t>Abstraction</a:t>
+            </a:r>
+          </a:p>
+        </p:txBody>
+      </p:sp>
+      <p:sp>
+        <p:nvSpPr>
+          <p:cNvPr id="3" name="Content Placeholder 2">
+            <a:extLst>
+              <a:ext uri="{FF2B5EF4-FFF2-40B4-BE49-F238E27FC236}">
+                <a16:creationId xmlns:a16="http://schemas.microsoft.com/office/drawing/2014/main" id="{24D2C6C6-7D9A-7243-8217-24EF7FB21CC9}"/>
+              </a:ext>
+            </a:extLst>
+          </p:cNvPr>
+          <p:cNvSpPr>
+            <a:spLocks noGrp="1"/>
+          </p:cNvSpPr>
+          <p:nvPr>
+            <p:ph idx="1"/>
+          </p:nvPr>
+        </p:nvSpPr>
+        <p:spPr/>
+        <p:txBody>
           <a:bodyPr>
-            <a:normAutofit/>
+            <a:normAutofit lnSpcReduction="10000"/>
           </a:bodyPr>
           <a:lstStyle/>
           <a:p>
             <a:r>
-              <a:rPr lang="en-US" sz="4000" dirty="0"/>
-              <a:t>Abstraction</a:t>
-            </a:r>
-          </a:p>
-        </p:txBody>
-      </p:sp>
-      <p:sp>
-        <p:nvSpPr>
-          <p:cNvPr id="3" name="Content Placeholder 2">
-            <a:extLst>
-              <a:ext uri="{FF2B5EF4-FFF2-40B4-BE49-F238E27FC236}">
-                <a16:creationId xmlns:a16="http://schemas.microsoft.com/office/drawing/2014/main" id="{D0F28C76-678F-6942-9279-F5E366032B05}"/>
-              </a:ext>
-            </a:extLst>
-          </p:cNvPr>
-          <p:cNvSpPr>
-            <a:spLocks noGrp="1"/>
-          </p:cNvSpPr>
-          <p:nvPr>
-            <p:ph idx="1"/>
-          </p:nvPr>
-        </p:nvSpPr>
-        <p:spPr/>
-        <p:txBody>
-          <a:bodyPr anchor="ctr"/>
-          <a:lstStyle/>
-          <a:p>
-            <a:pPr lvl="0"/>
+              <a:rPr lang="en-US" dirty="0"/>
+              <a:t>An abstraction in computer science is basically a model of computation that is free from its implementation.  </a:t>
+            </a:r>
+          </a:p>
+          <a:p>
+            <a:endParaRPr lang="en-US" dirty="0"/>
+          </a:p>
+          <a:p>
+            <a:r>
+              <a:rPr lang="en-US" dirty="0"/>
+              <a:t>In the same way that functional programming creates abstractions of mathematical functions by writing functions/lambdas without side effects, OOP creates abstractions of objects using interfaces that don't specify the exact implementation of an object. </a:t>
+            </a:r>
             <a:endParaRPr lang="en-PH" dirty="0"/>
           </a:p>
         </p:txBody>
@@ -8611,7 +9927,7 @@
     </p:spTree>
     <p:extLst>
       <p:ext uri="{BB962C8B-B14F-4D97-AF65-F5344CB8AC3E}">
-        <p14:creationId xmlns:p14="http://schemas.microsoft.com/office/powerpoint/2010/main" val="181148730"/>
+        <p14:creationId xmlns:p14="http://schemas.microsoft.com/office/powerpoint/2010/main" val="3474977437"/>
       </p:ext>
     </p:extLst>
   </p:cSld>
